--- a/slides/C24_EDA.pptx
+++ b/slides/C24_EDA.pptx
@@ -5,10 +5,10 @@
     <p:sldMasterId id="2147483648" r:id="rId1"/>
   </p:sldMasterIdLst>
   <p:notesMasterIdLst>
-    <p:notesMasterId r:id="rId22"/>
+    <p:notesMasterId r:id="rId21"/>
   </p:notesMasterIdLst>
   <p:handoutMasterIdLst>
-    <p:handoutMasterId r:id="rId23"/>
+    <p:handoutMasterId r:id="rId22"/>
   </p:handoutMasterIdLst>
   <p:sldIdLst>
     <p:sldId id="256" r:id="rId2"/>
@@ -29,8 +29,7 @@
     <p:sldId id="308" r:id="rId17"/>
     <p:sldId id="316" r:id="rId18"/>
     <p:sldId id="293" r:id="rId19"/>
-    <p:sldId id="314" r:id="rId20"/>
-    <p:sldId id="306" r:id="rId21"/>
+    <p:sldId id="306" r:id="rId20"/>
   </p:sldIdLst>
   <p:sldSz cx="12192000" cy="6858000"/>
   <p:notesSz cx="7315200" cy="9601200"/>
@@ -294,7 +293,7 @@
           <a:p>
             <a:fld id="{144F1436-6906-4D93-B7A2-786C327BFA14}" type="datetimeFigureOut">
               <a:rPr lang="nl-BE" smtClean="0"/>
-              <a:t>21/01/2026</a:t>
+              <a:t>22/01/2026</a:t>
             </a:fld>
             <a:endParaRPr lang="nl-BE"/>
           </a:p>
@@ -360,7 +359,7 @@
           <a:p>
             <a:fld id="{F7E56D9B-79AD-444A-AFED-DEC23408F8B4}" type="slidenum">
               <a:rPr lang="nl-BE" smtClean="0"/>
-              <a:t>‹nº›</a:t>
+              <a:t>‹#›</a:t>
             </a:fld>
             <a:endParaRPr lang="nl-BE"/>
           </a:p>
@@ -459,7 +458,7 @@
           <a:p>
             <a:fld id="{AA8CD09E-2914-4F47-B6C1-51B2C31814C9}" type="datetimeFigureOut">
               <a:rPr lang="pt-BR" smtClean="0"/>
-              <a:t>21/01/2026</a:t>
+              <a:t>22/01/2026</a:t>
             </a:fld>
             <a:endParaRPr lang="pt-BR"/>
           </a:p>
@@ -617,7 +616,7 @@
           <a:p>
             <a:fld id="{6FC8D850-966F-45A6-8DE7-15B891E7D40D}" type="slidenum">
               <a:rPr lang="pt-BR" smtClean="0"/>
-              <a:t>‹nº›</a:t>
+              <a:t>‹#›</a:t>
             </a:fld>
             <a:endParaRPr lang="pt-BR"/>
           </a:p>
@@ -953,11 +952,11 @@
           <a:lstStyle/>
           <a:p>
             <a:r>
-              <a:rPr lang="pt-BR" smtClean="0"/>
+              <a:rPr lang="pt-BR"/>
               <a:t>Taxonomia: </a:t>
             </a:r>
             <a:r>
-              <a:rPr lang="pt-BR" sz="1200" b="0" i="0" kern="1200" smtClean="0">
+              <a:rPr lang="pt-BR" sz="1200" b="0" i="0" kern="1200">
                 <a:solidFill>
                   <a:schemeClr val="tx1"/>
                 </a:solidFill>
@@ -1282,7 +1281,7 @@
           <p:cNvPr id="2" name="Título 1">
             <a:extLst>
               <a:ext uri="{FF2B5EF4-FFF2-40B4-BE49-F238E27FC236}">
-                <a16:creationId xmlns:a16="http://schemas.microsoft.com/office/drawing/2014/main" xmlns="" id="{1DB9B4FF-B06E-403C-A326-BDC64D8FF94E}"/>
+                <a16:creationId xmlns:a16="http://schemas.microsoft.com/office/drawing/2014/main" id="{1DB9B4FF-B06E-403C-A326-BDC64D8FF94E}"/>
               </a:ext>
             </a:extLst>
           </p:cNvPr>
@@ -1319,7 +1318,7 @@
           <p:cNvPr id="3" name="Subtítulo 2">
             <a:extLst>
               <a:ext uri="{FF2B5EF4-FFF2-40B4-BE49-F238E27FC236}">
-                <a16:creationId xmlns:a16="http://schemas.microsoft.com/office/drawing/2014/main" xmlns="" id="{247BDFCE-746E-45BF-A319-4733D58D1632}"/>
+                <a16:creationId xmlns:a16="http://schemas.microsoft.com/office/drawing/2014/main" id="{247BDFCE-746E-45BF-A319-4733D58D1632}"/>
               </a:ext>
             </a:extLst>
           </p:cNvPr>
@@ -1389,7 +1388,7 @@
           <p:cNvPr id="4" name="Espaço Reservado para Data 3">
             <a:extLst>
               <a:ext uri="{FF2B5EF4-FFF2-40B4-BE49-F238E27FC236}">
-                <a16:creationId xmlns:a16="http://schemas.microsoft.com/office/drawing/2014/main" xmlns="" id="{9EDE2778-5372-4104-B96D-968184DA8288}"/>
+                <a16:creationId xmlns:a16="http://schemas.microsoft.com/office/drawing/2014/main" id="{9EDE2778-5372-4104-B96D-968184DA8288}"/>
               </a:ext>
             </a:extLst>
           </p:cNvPr>
@@ -1407,7 +1406,7 @@
           <a:p>
             <a:fld id="{63289F7E-B80B-496E-81B4-D396C37C9454}" type="datetimeFigureOut">
               <a:rPr lang="pt-BR" smtClean="0"/>
-              <a:t>21/01/2026</a:t>
+              <a:t>22/01/2026</a:t>
             </a:fld>
             <a:endParaRPr lang="pt-BR"/>
           </a:p>
@@ -1418,7 +1417,7 @@
           <p:cNvPr id="5" name="Espaço Reservado para Rodapé 4">
             <a:extLst>
               <a:ext uri="{FF2B5EF4-FFF2-40B4-BE49-F238E27FC236}">
-                <a16:creationId xmlns:a16="http://schemas.microsoft.com/office/drawing/2014/main" xmlns="" id="{C1DD0F41-C861-4051-988D-3024A37A4B93}"/>
+                <a16:creationId xmlns:a16="http://schemas.microsoft.com/office/drawing/2014/main" id="{C1DD0F41-C861-4051-988D-3024A37A4B93}"/>
               </a:ext>
             </a:extLst>
           </p:cNvPr>
@@ -1443,7 +1442,7 @@
           <p:cNvPr id="6" name="Espaço Reservado para Número de Slide 5">
             <a:extLst>
               <a:ext uri="{FF2B5EF4-FFF2-40B4-BE49-F238E27FC236}">
-                <a16:creationId xmlns:a16="http://schemas.microsoft.com/office/drawing/2014/main" xmlns="" id="{07E5967E-D980-431A-A5DB-3F0C5030A81E}"/>
+                <a16:creationId xmlns:a16="http://schemas.microsoft.com/office/drawing/2014/main" id="{07E5967E-D980-431A-A5DB-3F0C5030A81E}"/>
               </a:ext>
             </a:extLst>
           </p:cNvPr>
@@ -1461,7 +1460,7 @@
           <a:p>
             <a:fld id="{1A7E88B7-70CE-4035-AE73-13FA6FB985D4}" type="slidenum">
               <a:rPr lang="pt-BR" smtClean="0"/>
-              <a:t>‹nº›</a:t>
+              <a:t>‹#›</a:t>
             </a:fld>
             <a:endParaRPr lang="pt-BR"/>
           </a:p>
@@ -1502,7 +1501,7 @@
           <p:cNvPr id="2" name="Título 1">
             <a:extLst>
               <a:ext uri="{FF2B5EF4-FFF2-40B4-BE49-F238E27FC236}">
-                <a16:creationId xmlns:a16="http://schemas.microsoft.com/office/drawing/2014/main" xmlns="" id="{9036C49F-3E68-4175-81BA-3C3FEE44308A}"/>
+                <a16:creationId xmlns:a16="http://schemas.microsoft.com/office/drawing/2014/main" id="{9036C49F-3E68-4175-81BA-3C3FEE44308A}"/>
               </a:ext>
             </a:extLst>
           </p:cNvPr>
@@ -1530,7 +1529,7 @@
           <p:cNvPr id="3" name="Espaço Reservado para Texto Vertical 2">
             <a:extLst>
               <a:ext uri="{FF2B5EF4-FFF2-40B4-BE49-F238E27FC236}">
-                <a16:creationId xmlns:a16="http://schemas.microsoft.com/office/drawing/2014/main" xmlns="" id="{426FA736-3DD3-4D4E-B57B-BBE1D8F7D424}"/>
+                <a16:creationId xmlns:a16="http://schemas.microsoft.com/office/drawing/2014/main" id="{426FA736-3DD3-4D4E-B57B-BBE1D8F7D424}"/>
               </a:ext>
             </a:extLst>
           </p:cNvPr>
@@ -1587,7 +1586,7 @@
           <p:cNvPr id="4" name="Espaço Reservado para Data 3">
             <a:extLst>
               <a:ext uri="{FF2B5EF4-FFF2-40B4-BE49-F238E27FC236}">
-                <a16:creationId xmlns:a16="http://schemas.microsoft.com/office/drawing/2014/main" xmlns="" id="{99E8855C-D8FD-48F6-B14E-861E0DE4D915}"/>
+                <a16:creationId xmlns:a16="http://schemas.microsoft.com/office/drawing/2014/main" id="{99E8855C-D8FD-48F6-B14E-861E0DE4D915}"/>
               </a:ext>
             </a:extLst>
           </p:cNvPr>
@@ -1605,7 +1604,7 @@
           <a:p>
             <a:fld id="{63289F7E-B80B-496E-81B4-D396C37C9454}" type="datetimeFigureOut">
               <a:rPr lang="pt-BR" smtClean="0"/>
-              <a:t>21/01/2026</a:t>
+              <a:t>22/01/2026</a:t>
             </a:fld>
             <a:endParaRPr lang="pt-BR"/>
           </a:p>
@@ -1616,7 +1615,7 @@
           <p:cNvPr id="5" name="Espaço Reservado para Rodapé 4">
             <a:extLst>
               <a:ext uri="{FF2B5EF4-FFF2-40B4-BE49-F238E27FC236}">
-                <a16:creationId xmlns:a16="http://schemas.microsoft.com/office/drawing/2014/main" xmlns="" id="{97C0BB88-2F21-42A5-ACFF-83DA47F2D340}"/>
+                <a16:creationId xmlns:a16="http://schemas.microsoft.com/office/drawing/2014/main" id="{97C0BB88-2F21-42A5-ACFF-83DA47F2D340}"/>
               </a:ext>
             </a:extLst>
           </p:cNvPr>
@@ -1641,7 +1640,7 @@
           <p:cNvPr id="6" name="Espaço Reservado para Número de Slide 5">
             <a:extLst>
               <a:ext uri="{FF2B5EF4-FFF2-40B4-BE49-F238E27FC236}">
-                <a16:creationId xmlns:a16="http://schemas.microsoft.com/office/drawing/2014/main" xmlns="" id="{6CB462B3-1F22-4C05-B4B8-7A279FB7D5E9}"/>
+                <a16:creationId xmlns:a16="http://schemas.microsoft.com/office/drawing/2014/main" id="{6CB462B3-1F22-4C05-B4B8-7A279FB7D5E9}"/>
               </a:ext>
             </a:extLst>
           </p:cNvPr>
@@ -1659,7 +1658,7 @@
           <a:p>
             <a:fld id="{1A7E88B7-70CE-4035-AE73-13FA6FB985D4}" type="slidenum">
               <a:rPr lang="pt-BR" smtClean="0"/>
-              <a:t>‹nº›</a:t>
+              <a:t>‹#›</a:t>
             </a:fld>
             <a:endParaRPr lang="pt-BR"/>
           </a:p>
@@ -1700,7 +1699,7 @@
           <p:cNvPr id="2" name="Título Vertical 1">
             <a:extLst>
               <a:ext uri="{FF2B5EF4-FFF2-40B4-BE49-F238E27FC236}">
-                <a16:creationId xmlns:a16="http://schemas.microsoft.com/office/drawing/2014/main" xmlns="" id="{EAEAB728-701C-4207-A9D5-23FF45C60502}"/>
+                <a16:creationId xmlns:a16="http://schemas.microsoft.com/office/drawing/2014/main" id="{EAEAB728-701C-4207-A9D5-23FF45C60502}"/>
               </a:ext>
             </a:extLst>
           </p:cNvPr>
@@ -1733,7 +1732,7 @@
           <p:cNvPr id="3" name="Espaço Reservado para Texto Vertical 2">
             <a:extLst>
               <a:ext uri="{FF2B5EF4-FFF2-40B4-BE49-F238E27FC236}">
-                <a16:creationId xmlns:a16="http://schemas.microsoft.com/office/drawing/2014/main" xmlns="" id="{BA8C8CCF-7823-480A-9A19-0F664DD17E3B}"/>
+                <a16:creationId xmlns:a16="http://schemas.microsoft.com/office/drawing/2014/main" id="{BA8C8CCF-7823-480A-9A19-0F664DD17E3B}"/>
               </a:ext>
             </a:extLst>
           </p:cNvPr>
@@ -1795,7 +1794,7 @@
           <p:cNvPr id="4" name="Espaço Reservado para Data 3">
             <a:extLst>
               <a:ext uri="{FF2B5EF4-FFF2-40B4-BE49-F238E27FC236}">
-                <a16:creationId xmlns:a16="http://schemas.microsoft.com/office/drawing/2014/main" xmlns="" id="{721D5734-7B1F-425D-942F-6EB73344027C}"/>
+                <a16:creationId xmlns:a16="http://schemas.microsoft.com/office/drawing/2014/main" id="{721D5734-7B1F-425D-942F-6EB73344027C}"/>
               </a:ext>
             </a:extLst>
           </p:cNvPr>
@@ -1813,7 +1812,7 @@
           <a:p>
             <a:fld id="{63289F7E-B80B-496E-81B4-D396C37C9454}" type="datetimeFigureOut">
               <a:rPr lang="pt-BR" smtClean="0"/>
-              <a:t>21/01/2026</a:t>
+              <a:t>22/01/2026</a:t>
             </a:fld>
             <a:endParaRPr lang="pt-BR"/>
           </a:p>
@@ -1824,7 +1823,7 @@
           <p:cNvPr id="5" name="Espaço Reservado para Rodapé 4">
             <a:extLst>
               <a:ext uri="{FF2B5EF4-FFF2-40B4-BE49-F238E27FC236}">
-                <a16:creationId xmlns:a16="http://schemas.microsoft.com/office/drawing/2014/main" xmlns="" id="{1E1AAEAC-F08D-45FE-89EC-B1B349A868C9}"/>
+                <a16:creationId xmlns:a16="http://schemas.microsoft.com/office/drawing/2014/main" id="{1E1AAEAC-F08D-45FE-89EC-B1B349A868C9}"/>
               </a:ext>
             </a:extLst>
           </p:cNvPr>
@@ -1849,7 +1848,7 @@
           <p:cNvPr id="6" name="Espaço Reservado para Número de Slide 5">
             <a:extLst>
               <a:ext uri="{FF2B5EF4-FFF2-40B4-BE49-F238E27FC236}">
-                <a16:creationId xmlns:a16="http://schemas.microsoft.com/office/drawing/2014/main" xmlns="" id="{BAA44493-9911-47B2-87A6-C2141A972BC8}"/>
+                <a16:creationId xmlns:a16="http://schemas.microsoft.com/office/drawing/2014/main" id="{BAA44493-9911-47B2-87A6-C2141A972BC8}"/>
               </a:ext>
             </a:extLst>
           </p:cNvPr>
@@ -1867,7 +1866,7 @@
           <a:p>
             <a:fld id="{1A7E88B7-70CE-4035-AE73-13FA6FB985D4}" type="slidenum">
               <a:rPr lang="pt-BR" smtClean="0"/>
-              <a:t>‹nº›</a:t>
+              <a:t>‹#›</a:t>
             </a:fld>
             <a:endParaRPr lang="pt-BR"/>
           </a:p>
@@ -1908,7 +1907,7 @@
           <p:cNvPr id="2" name="Título 1">
             <a:extLst>
               <a:ext uri="{FF2B5EF4-FFF2-40B4-BE49-F238E27FC236}">
-                <a16:creationId xmlns:a16="http://schemas.microsoft.com/office/drawing/2014/main" xmlns="" id="{71BD44A5-8F21-4626-A01D-48A1C874B1D5}"/>
+                <a16:creationId xmlns:a16="http://schemas.microsoft.com/office/drawing/2014/main" id="{71BD44A5-8F21-4626-A01D-48A1C874B1D5}"/>
               </a:ext>
             </a:extLst>
           </p:cNvPr>
@@ -1936,7 +1935,7 @@
           <p:cNvPr id="3" name="Espaço Reservado para Conteúdo 2">
             <a:extLst>
               <a:ext uri="{FF2B5EF4-FFF2-40B4-BE49-F238E27FC236}">
-                <a16:creationId xmlns:a16="http://schemas.microsoft.com/office/drawing/2014/main" xmlns="" id="{B79E8085-65A9-48AA-951D-71D978BFF4ED}"/>
+                <a16:creationId xmlns:a16="http://schemas.microsoft.com/office/drawing/2014/main" id="{B79E8085-65A9-48AA-951D-71D978BFF4ED}"/>
               </a:ext>
             </a:extLst>
           </p:cNvPr>
@@ -1993,7 +1992,7 @@
           <p:cNvPr id="4" name="Espaço Reservado para Data 3">
             <a:extLst>
               <a:ext uri="{FF2B5EF4-FFF2-40B4-BE49-F238E27FC236}">
-                <a16:creationId xmlns:a16="http://schemas.microsoft.com/office/drawing/2014/main" xmlns="" id="{F05BE1AF-51EA-425D-B188-DE7BD675009F}"/>
+                <a16:creationId xmlns:a16="http://schemas.microsoft.com/office/drawing/2014/main" id="{F05BE1AF-51EA-425D-B188-DE7BD675009F}"/>
               </a:ext>
             </a:extLst>
           </p:cNvPr>
@@ -2011,7 +2010,7 @@
           <a:p>
             <a:fld id="{63289F7E-B80B-496E-81B4-D396C37C9454}" type="datetimeFigureOut">
               <a:rPr lang="pt-BR" smtClean="0"/>
-              <a:t>21/01/2026</a:t>
+              <a:t>22/01/2026</a:t>
             </a:fld>
             <a:endParaRPr lang="pt-BR"/>
           </a:p>
@@ -2022,7 +2021,7 @@
           <p:cNvPr id="5" name="Espaço Reservado para Rodapé 4">
             <a:extLst>
               <a:ext uri="{FF2B5EF4-FFF2-40B4-BE49-F238E27FC236}">
-                <a16:creationId xmlns:a16="http://schemas.microsoft.com/office/drawing/2014/main" xmlns="" id="{121BE632-29CF-4CB9-B365-C9EF38F89BE6}"/>
+                <a16:creationId xmlns:a16="http://schemas.microsoft.com/office/drawing/2014/main" id="{121BE632-29CF-4CB9-B365-C9EF38F89BE6}"/>
               </a:ext>
             </a:extLst>
           </p:cNvPr>
@@ -2047,7 +2046,7 @@
           <p:cNvPr id="6" name="Espaço Reservado para Número de Slide 5">
             <a:extLst>
               <a:ext uri="{FF2B5EF4-FFF2-40B4-BE49-F238E27FC236}">
-                <a16:creationId xmlns:a16="http://schemas.microsoft.com/office/drawing/2014/main" xmlns="" id="{60CF3DD1-9AEC-4A57-B461-4E4DD86FAC18}"/>
+                <a16:creationId xmlns:a16="http://schemas.microsoft.com/office/drawing/2014/main" id="{60CF3DD1-9AEC-4A57-B461-4E4DD86FAC18}"/>
               </a:ext>
             </a:extLst>
           </p:cNvPr>
@@ -2065,7 +2064,7 @@
           <a:p>
             <a:fld id="{1A7E88B7-70CE-4035-AE73-13FA6FB985D4}" type="slidenum">
               <a:rPr lang="pt-BR" smtClean="0"/>
-              <a:t>‹nº›</a:t>
+              <a:t>‹#›</a:t>
             </a:fld>
             <a:endParaRPr lang="pt-BR"/>
           </a:p>
@@ -2106,7 +2105,7 @@
           <p:cNvPr id="2" name="Título 1">
             <a:extLst>
               <a:ext uri="{FF2B5EF4-FFF2-40B4-BE49-F238E27FC236}">
-                <a16:creationId xmlns:a16="http://schemas.microsoft.com/office/drawing/2014/main" xmlns="" id="{34AB2FF0-A4D7-4E28-991D-FF26140D5988}"/>
+                <a16:creationId xmlns:a16="http://schemas.microsoft.com/office/drawing/2014/main" id="{34AB2FF0-A4D7-4E28-991D-FF26140D5988}"/>
               </a:ext>
             </a:extLst>
           </p:cNvPr>
@@ -2143,7 +2142,7 @@
           <p:cNvPr id="3" name="Espaço Reservado para Texto 2">
             <a:extLst>
               <a:ext uri="{FF2B5EF4-FFF2-40B4-BE49-F238E27FC236}">
-                <a16:creationId xmlns:a16="http://schemas.microsoft.com/office/drawing/2014/main" xmlns="" id="{E2AC45B0-4145-40DB-8E61-105461170604}"/>
+                <a16:creationId xmlns:a16="http://schemas.microsoft.com/office/drawing/2014/main" id="{E2AC45B0-4145-40DB-8E61-105461170604}"/>
               </a:ext>
             </a:extLst>
           </p:cNvPr>
@@ -2268,7 +2267,7 @@
           <p:cNvPr id="4" name="Espaço Reservado para Data 3">
             <a:extLst>
               <a:ext uri="{FF2B5EF4-FFF2-40B4-BE49-F238E27FC236}">
-                <a16:creationId xmlns:a16="http://schemas.microsoft.com/office/drawing/2014/main" xmlns="" id="{50F1D3FB-740A-4EBA-A309-2CE71D12ECFB}"/>
+                <a16:creationId xmlns:a16="http://schemas.microsoft.com/office/drawing/2014/main" id="{50F1D3FB-740A-4EBA-A309-2CE71D12ECFB}"/>
               </a:ext>
             </a:extLst>
           </p:cNvPr>
@@ -2286,7 +2285,7 @@
           <a:p>
             <a:fld id="{63289F7E-B80B-496E-81B4-D396C37C9454}" type="datetimeFigureOut">
               <a:rPr lang="pt-BR" smtClean="0"/>
-              <a:t>21/01/2026</a:t>
+              <a:t>22/01/2026</a:t>
             </a:fld>
             <a:endParaRPr lang="pt-BR"/>
           </a:p>
@@ -2297,7 +2296,7 @@
           <p:cNvPr id="5" name="Espaço Reservado para Rodapé 4">
             <a:extLst>
               <a:ext uri="{FF2B5EF4-FFF2-40B4-BE49-F238E27FC236}">
-                <a16:creationId xmlns:a16="http://schemas.microsoft.com/office/drawing/2014/main" xmlns="" id="{BDCAB18F-8715-4465-A940-F9C193A2ACE9}"/>
+                <a16:creationId xmlns:a16="http://schemas.microsoft.com/office/drawing/2014/main" id="{BDCAB18F-8715-4465-A940-F9C193A2ACE9}"/>
               </a:ext>
             </a:extLst>
           </p:cNvPr>
@@ -2322,7 +2321,7 @@
           <p:cNvPr id="6" name="Espaço Reservado para Número de Slide 5">
             <a:extLst>
               <a:ext uri="{FF2B5EF4-FFF2-40B4-BE49-F238E27FC236}">
-                <a16:creationId xmlns:a16="http://schemas.microsoft.com/office/drawing/2014/main" xmlns="" id="{353466C6-8248-429F-8056-FF040BF509EB}"/>
+                <a16:creationId xmlns:a16="http://schemas.microsoft.com/office/drawing/2014/main" id="{353466C6-8248-429F-8056-FF040BF509EB}"/>
               </a:ext>
             </a:extLst>
           </p:cNvPr>
@@ -2340,7 +2339,7 @@
           <a:p>
             <a:fld id="{1A7E88B7-70CE-4035-AE73-13FA6FB985D4}" type="slidenum">
               <a:rPr lang="pt-BR" smtClean="0"/>
-              <a:t>‹nº›</a:t>
+              <a:t>‹#›</a:t>
             </a:fld>
             <a:endParaRPr lang="pt-BR"/>
           </a:p>
@@ -2381,7 +2380,7 @@
           <p:cNvPr id="2" name="Título 1">
             <a:extLst>
               <a:ext uri="{FF2B5EF4-FFF2-40B4-BE49-F238E27FC236}">
-                <a16:creationId xmlns:a16="http://schemas.microsoft.com/office/drawing/2014/main" xmlns="" id="{BC7BB9F0-F14B-4A91-B2B7-35BC47FE4DE7}"/>
+                <a16:creationId xmlns:a16="http://schemas.microsoft.com/office/drawing/2014/main" id="{BC7BB9F0-F14B-4A91-B2B7-35BC47FE4DE7}"/>
               </a:ext>
             </a:extLst>
           </p:cNvPr>
@@ -2409,7 +2408,7 @@
           <p:cNvPr id="3" name="Espaço Reservado para Conteúdo 2">
             <a:extLst>
               <a:ext uri="{FF2B5EF4-FFF2-40B4-BE49-F238E27FC236}">
-                <a16:creationId xmlns:a16="http://schemas.microsoft.com/office/drawing/2014/main" xmlns="" id="{EC1FC1C4-73DA-47A6-8496-B0B457F7D39A}"/>
+                <a16:creationId xmlns:a16="http://schemas.microsoft.com/office/drawing/2014/main" id="{EC1FC1C4-73DA-47A6-8496-B0B457F7D39A}"/>
               </a:ext>
             </a:extLst>
           </p:cNvPr>
@@ -2471,7 +2470,7 @@
           <p:cNvPr id="4" name="Espaço Reservado para Conteúdo 3">
             <a:extLst>
               <a:ext uri="{FF2B5EF4-FFF2-40B4-BE49-F238E27FC236}">
-                <a16:creationId xmlns:a16="http://schemas.microsoft.com/office/drawing/2014/main" xmlns="" id="{E92F06A8-A449-4D92-9912-76873E529B38}"/>
+                <a16:creationId xmlns:a16="http://schemas.microsoft.com/office/drawing/2014/main" id="{E92F06A8-A449-4D92-9912-76873E529B38}"/>
               </a:ext>
             </a:extLst>
           </p:cNvPr>
@@ -2533,7 +2532,7 @@
           <p:cNvPr id="5" name="Espaço Reservado para Data 4">
             <a:extLst>
               <a:ext uri="{FF2B5EF4-FFF2-40B4-BE49-F238E27FC236}">
-                <a16:creationId xmlns:a16="http://schemas.microsoft.com/office/drawing/2014/main" xmlns="" id="{938070A4-BC2F-4D55-BD8D-DEAF11BB9EE9}"/>
+                <a16:creationId xmlns:a16="http://schemas.microsoft.com/office/drawing/2014/main" id="{938070A4-BC2F-4D55-BD8D-DEAF11BB9EE9}"/>
               </a:ext>
             </a:extLst>
           </p:cNvPr>
@@ -2551,7 +2550,7 @@
           <a:p>
             <a:fld id="{63289F7E-B80B-496E-81B4-D396C37C9454}" type="datetimeFigureOut">
               <a:rPr lang="pt-BR" smtClean="0"/>
-              <a:t>21/01/2026</a:t>
+              <a:t>22/01/2026</a:t>
             </a:fld>
             <a:endParaRPr lang="pt-BR"/>
           </a:p>
@@ -2562,7 +2561,7 @@
           <p:cNvPr id="6" name="Espaço Reservado para Rodapé 5">
             <a:extLst>
               <a:ext uri="{FF2B5EF4-FFF2-40B4-BE49-F238E27FC236}">
-                <a16:creationId xmlns:a16="http://schemas.microsoft.com/office/drawing/2014/main" xmlns="" id="{45CC2DB8-844A-465F-BA9A-7734C80C7F43}"/>
+                <a16:creationId xmlns:a16="http://schemas.microsoft.com/office/drawing/2014/main" id="{45CC2DB8-844A-465F-BA9A-7734C80C7F43}"/>
               </a:ext>
             </a:extLst>
           </p:cNvPr>
@@ -2587,7 +2586,7 @@
           <p:cNvPr id="7" name="Espaço Reservado para Número de Slide 6">
             <a:extLst>
               <a:ext uri="{FF2B5EF4-FFF2-40B4-BE49-F238E27FC236}">
-                <a16:creationId xmlns:a16="http://schemas.microsoft.com/office/drawing/2014/main" xmlns="" id="{4CC606A8-097B-4040-94E0-CD8C88280D8F}"/>
+                <a16:creationId xmlns:a16="http://schemas.microsoft.com/office/drawing/2014/main" id="{4CC606A8-097B-4040-94E0-CD8C88280D8F}"/>
               </a:ext>
             </a:extLst>
           </p:cNvPr>
@@ -2605,7 +2604,7 @@
           <a:p>
             <a:fld id="{1A7E88B7-70CE-4035-AE73-13FA6FB985D4}" type="slidenum">
               <a:rPr lang="pt-BR" smtClean="0"/>
-              <a:t>‹nº›</a:t>
+              <a:t>‹#›</a:t>
             </a:fld>
             <a:endParaRPr lang="pt-BR"/>
           </a:p>
@@ -2646,7 +2645,7 @@
           <p:cNvPr id="2" name="Título 1">
             <a:extLst>
               <a:ext uri="{FF2B5EF4-FFF2-40B4-BE49-F238E27FC236}">
-                <a16:creationId xmlns:a16="http://schemas.microsoft.com/office/drawing/2014/main" xmlns="" id="{76D66686-0143-4CB6-8C09-BA326F1E7ACA}"/>
+                <a16:creationId xmlns:a16="http://schemas.microsoft.com/office/drawing/2014/main" id="{76D66686-0143-4CB6-8C09-BA326F1E7ACA}"/>
               </a:ext>
             </a:extLst>
           </p:cNvPr>
@@ -2679,7 +2678,7 @@
           <p:cNvPr id="3" name="Espaço Reservado para Texto 2">
             <a:extLst>
               <a:ext uri="{FF2B5EF4-FFF2-40B4-BE49-F238E27FC236}">
-                <a16:creationId xmlns:a16="http://schemas.microsoft.com/office/drawing/2014/main" xmlns="" id="{0227AB85-F59E-4BCE-B846-4FA0992C2F23}"/>
+                <a16:creationId xmlns:a16="http://schemas.microsoft.com/office/drawing/2014/main" id="{0227AB85-F59E-4BCE-B846-4FA0992C2F23}"/>
               </a:ext>
             </a:extLst>
           </p:cNvPr>
@@ -2750,7 +2749,7 @@
           <p:cNvPr id="4" name="Espaço Reservado para Conteúdo 3">
             <a:extLst>
               <a:ext uri="{FF2B5EF4-FFF2-40B4-BE49-F238E27FC236}">
-                <a16:creationId xmlns:a16="http://schemas.microsoft.com/office/drawing/2014/main" xmlns="" id="{3373456C-7319-4D0A-827D-D29F6B083F5D}"/>
+                <a16:creationId xmlns:a16="http://schemas.microsoft.com/office/drawing/2014/main" id="{3373456C-7319-4D0A-827D-D29F6B083F5D}"/>
               </a:ext>
             </a:extLst>
           </p:cNvPr>
@@ -2812,7 +2811,7 @@
           <p:cNvPr id="5" name="Espaço Reservado para Texto 4">
             <a:extLst>
               <a:ext uri="{FF2B5EF4-FFF2-40B4-BE49-F238E27FC236}">
-                <a16:creationId xmlns:a16="http://schemas.microsoft.com/office/drawing/2014/main" xmlns="" id="{4CD109D0-2E83-4262-8029-A871CEC47406}"/>
+                <a16:creationId xmlns:a16="http://schemas.microsoft.com/office/drawing/2014/main" id="{4CD109D0-2E83-4262-8029-A871CEC47406}"/>
               </a:ext>
             </a:extLst>
           </p:cNvPr>
@@ -2883,7 +2882,7 @@
           <p:cNvPr id="6" name="Espaço Reservado para Conteúdo 5">
             <a:extLst>
               <a:ext uri="{FF2B5EF4-FFF2-40B4-BE49-F238E27FC236}">
-                <a16:creationId xmlns:a16="http://schemas.microsoft.com/office/drawing/2014/main" xmlns="" id="{AD706E3A-CFBB-4A6C-A65F-D0360A9E74FE}"/>
+                <a16:creationId xmlns:a16="http://schemas.microsoft.com/office/drawing/2014/main" id="{AD706E3A-CFBB-4A6C-A65F-D0360A9E74FE}"/>
               </a:ext>
             </a:extLst>
           </p:cNvPr>
@@ -2945,7 +2944,7 @@
           <p:cNvPr id="7" name="Espaço Reservado para Data 6">
             <a:extLst>
               <a:ext uri="{FF2B5EF4-FFF2-40B4-BE49-F238E27FC236}">
-                <a16:creationId xmlns:a16="http://schemas.microsoft.com/office/drawing/2014/main" xmlns="" id="{4172C0E5-5AF0-4805-BB51-443733CD2BD5}"/>
+                <a16:creationId xmlns:a16="http://schemas.microsoft.com/office/drawing/2014/main" id="{4172C0E5-5AF0-4805-BB51-443733CD2BD5}"/>
               </a:ext>
             </a:extLst>
           </p:cNvPr>
@@ -2963,7 +2962,7 @@
           <a:p>
             <a:fld id="{63289F7E-B80B-496E-81B4-D396C37C9454}" type="datetimeFigureOut">
               <a:rPr lang="pt-BR" smtClean="0"/>
-              <a:t>21/01/2026</a:t>
+              <a:t>22/01/2026</a:t>
             </a:fld>
             <a:endParaRPr lang="pt-BR"/>
           </a:p>
@@ -2974,7 +2973,7 @@
           <p:cNvPr id="8" name="Espaço Reservado para Rodapé 7">
             <a:extLst>
               <a:ext uri="{FF2B5EF4-FFF2-40B4-BE49-F238E27FC236}">
-                <a16:creationId xmlns:a16="http://schemas.microsoft.com/office/drawing/2014/main" xmlns="" id="{0E801648-156F-497E-99CF-797DF48051E1}"/>
+                <a16:creationId xmlns:a16="http://schemas.microsoft.com/office/drawing/2014/main" id="{0E801648-156F-497E-99CF-797DF48051E1}"/>
               </a:ext>
             </a:extLst>
           </p:cNvPr>
@@ -2999,7 +2998,7 @@
           <p:cNvPr id="9" name="Espaço Reservado para Número de Slide 8">
             <a:extLst>
               <a:ext uri="{FF2B5EF4-FFF2-40B4-BE49-F238E27FC236}">
-                <a16:creationId xmlns:a16="http://schemas.microsoft.com/office/drawing/2014/main" xmlns="" id="{EEE23D32-80E7-4796-A137-66BF842E4B53}"/>
+                <a16:creationId xmlns:a16="http://schemas.microsoft.com/office/drawing/2014/main" id="{EEE23D32-80E7-4796-A137-66BF842E4B53}"/>
               </a:ext>
             </a:extLst>
           </p:cNvPr>
@@ -3017,7 +3016,7 @@
           <a:p>
             <a:fld id="{1A7E88B7-70CE-4035-AE73-13FA6FB985D4}" type="slidenum">
               <a:rPr lang="pt-BR" smtClean="0"/>
-              <a:t>‹nº›</a:t>
+              <a:t>‹#›</a:t>
             </a:fld>
             <a:endParaRPr lang="pt-BR"/>
           </a:p>
@@ -3058,7 +3057,7 @@
           <p:cNvPr id="2" name="Título 1">
             <a:extLst>
               <a:ext uri="{FF2B5EF4-FFF2-40B4-BE49-F238E27FC236}">
-                <a16:creationId xmlns:a16="http://schemas.microsoft.com/office/drawing/2014/main" xmlns="" id="{2BCE2379-C78F-47E1-8CFC-B846E7AF148D}"/>
+                <a16:creationId xmlns:a16="http://schemas.microsoft.com/office/drawing/2014/main" id="{2BCE2379-C78F-47E1-8CFC-B846E7AF148D}"/>
               </a:ext>
             </a:extLst>
           </p:cNvPr>
@@ -3086,7 +3085,7 @@
           <p:cNvPr id="3" name="Espaço Reservado para Data 2">
             <a:extLst>
               <a:ext uri="{FF2B5EF4-FFF2-40B4-BE49-F238E27FC236}">
-                <a16:creationId xmlns:a16="http://schemas.microsoft.com/office/drawing/2014/main" xmlns="" id="{342600A9-7F92-4E22-9D94-E4717252A817}"/>
+                <a16:creationId xmlns:a16="http://schemas.microsoft.com/office/drawing/2014/main" id="{342600A9-7F92-4E22-9D94-E4717252A817}"/>
               </a:ext>
             </a:extLst>
           </p:cNvPr>
@@ -3104,7 +3103,7 @@
           <a:p>
             <a:fld id="{63289F7E-B80B-496E-81B4-D396C37C9454}" type="datetimeFigureOut">
               <a:rPr lang="pt-BR" smtClean="0"/>
-              <a:t>21/01/2026</a:t>
+              <a:t>22/01/2026</a:t>
             </a:fld>
             <a:endParaRPr lang="pt-BR"/>
           </a:p>
@@ -3115,7 +3114,7 @@
           <p:cNvPr id="4" name="Espaço Reservado para Rodapé 3">
             <a:extLst>
               <a:ext uri="{FF2B5EF4-FFF2-40B4-BE49-F238E27FC236}">
-                <a16:creationId xmlns:a16="http://schemas.microsoft.com/office/drawing/2014/main" xmlns="" id="{192E6BED-F546-40CC-A2DF-99CBA853654E}"/>
+                <a16:creationId xmlns:a16="http://schemas.microsoft.com/office/drawing/2014/main" id="{192E6BED-F546-40CC-A2DF-99CBA853654E}"/>
               </a:ext>
             </a:extLst>
           </p:cNvPr>
@@ -3140,7 +3139,7 @@
           <p:cNvPr id="5" name="Espaço Reservado para Número de Slide 4">
             <a:extLst>
               <a:ext uri="{FF2B5EF4-FFF2-40B4-BE49-F238E27FC236}">
-                <a16:creationId xmlns:a16="http://schemas.microsoft.com/office/drawing/2014/main" xmlns="" id="{6091CC40-A8C4-4063-80EB-CC5099621678}"/>
+                <a16:creationId xmlns:a16="http://schemas.microsoft.com/office/drawing/2014/main" id="{6091CC40-A8C4-4063-80EB-CC5099621678}"/>
               </a:ext>
             </a:extLst>
           </p:cNvPr>
@@ -3158,7 +3157,7 @@
           <a:p>
             <a:fld id="{1A7E88B7-70CE-4035-AE73-13FA6FB985D4}" type="slidenum">
               <a:rPr lang="pt-BR" smtClean="0"/>
-              <a:t>‹nº›</a:t>
+              <a:t>‹#›</a:t>
             </a:fld>
             <a:endParaRPr lang="pt-BR"/>
           </a:p>
@@ -3199,7 +3198,7 @@
           <p:cNvPr id="2" name="Espaço Reservado para Data 1">
             <a:extLst>
               <a:ext uri="{FF2B5EF4-FFF2-40B4-BE49-F238E27FC236}">
-                <a16:creationId xmlns:a16="http://schemas.microsoft.com/office/drawing/2014/main" xmlns="" id="{DD19515C-212C-4EAE-84A3-8FF4BC844F1B}"/>
+                <a16:creationId xmlns:a16="http://schemas.microsoft.com/office/drawing/2014/main" id="{DD19515C-212C-4EAE-84A3-8FF4BC844F1B}"/>
               </a:ext>
             </a:extLst>
           </p:cNvPr>
@@ -3217,7 +3216,7 @@
           <a:p>
             <a:fld id="{63289F7E-B80B-496E-81B4-D396C37C9454}" type="datetimeFigureOut">
               <a:rPr lang="pt-BR" smtClean="0"/>
-              <a:t>21/01/2026</a:t>
+              <a:t>22/01/2026</a:t>
             </a:fld>
             <a:endParaRPr lang="pt-BR"/>
           </a:p>
@@ -3228,7 +3227,7 @@
           <p:cNvPr id="3" name="Espaço Reservado para Rodapé 2">
             <a:extLst>
               <a:ext uri="{FF2B5EF4-FFF2-40B4-BE49-F238E27FC236}">
-                <a16:creationId xmlns:a16="http://schemas.microsoft.com/office/drawing/2014/main" xmlns="" id="{94D3D120-B3E8-4C96-861D-7A4F12F49B3A}"/>
+                <a16:creationId xmlns:a16="http://schemas.microsoft.com/office/drawing/2014/main" id="{94D3D120-B3E8-4C96-861D-7A4F12F49B3A}"/>
               </a:ext>
             </a:extLst>
           </p:cNvPr>
@@ -3253,7 +3252,7 @@
           <p:cNvPr id="4" name="Espaço Reservado para Número de Slide 3">
             <a:extLst>
               <a:ext uri="{FF2B5EF4-FFF2-40B4-BE49-F238E27FC236}">
-                <a16:creationId xmlns:a16="http://schemas.microsoft.com/office/drawing/2014/main" xmlns="" id="{42E49B68-FA1B-468B-9F17-D5C09243D454}"/>
+                <a16:creationId xmlns:a16="http://schemas.microsoft.com/office/drawing/2014/main" id="{42E49B68-FA1B-468B-9F17-D5C09243D454}"/>
               </a:ext>
             </a:extLst>
           </p:cNvPr>
@@ -3271,7 +3270,7 @@
           <a:p>
             <a:fld id="{1A7E88B7-70CE-4035-AE73-13FA6FB985D4}" type="slidenum">
               <a:rPr lang="pt-BR" smtClean="0"/>
-              <a:t>‹nº›</a:t>
+              <a:t>‹#›</a:t>
             </a:fld>
             <a:endParaRPr lang="pt-BR"/>
           </a:p>
@@ -3312,7 +3311,7 @@
           <p:cNvPr id="2" name="Título 1">
             <a:extLst>
               <a:ext uri="{FF2B5EF4-FFF2-40B4-BE49-F238E27FC236}">
-                <a16:creationId xmlns:a16="http://schemas.microsoft.com/office/drawing/2014/main" xmlns="" id="{1C17BCBE-A897-4319-85EC-D87909C24980}"/>
+                <a16:creationId xmlns:a16="http://schemas.microsoft.com/office/drawing/2014/main" id="{1C17BCBE-A897-4319-85EC-D87909C24980}"/>
               </a:ext>
             </a:extLst>
           </p:cNvPr>
@@ -3349,7 +3348,7 @@
           <p:cNvPr id="3" name="Espaço Reservado para Conteúdo 2">
             <a:extLst>
               <a:ext uri="{FF2B5EF4-FFF2-40B4-BE49-F238E27FC236}">
-                <a16:creationId xmlns:a16="http://schemas.microsoft.com/office/drawing/2014/main" xmlns="" id="{4226F885-0204-4913-868B-4B8B82576F17}"/>
+                <a16:creationId xmlns:a16="http://schemas.microsoft.com/office/drawing/2014/main" id="{4226F885-0204-4913-868B-4B8B82576F17}"/>
               </a:ext>
             </a:extLst>
           </p:cNvPr>
@@ -3439,7 +3438,7 @@
           <p:cNvPr id="4" name="Espaço Reservado para Texto 3">
             <a:extLst>
               <a:ext uri="{FF2B5EF4-FFF2-40B4-BE49-F238E27FC236}">
-                <a16:creationId xmlns:a16="http://schemas.microsoft.com/office/drawing/2014/main" xmlns="" id="{00F9F784-A858-441B-8AB5-697098141751}"/>
+                <a16:creationId xmlns:a16="http://schemas.microsoft.com/office/drawing/2014/main" id="{00F9F784-A858-441B-8AB5-697098141751}"/>
               </a:ext>
             </a:extLst>
           </p:cNvPr>
@@ -3510,7 +3509,7 @@
           <p:cNvPr id="5" name="Espaço Reservado para Data 4">
             <a:extLst>
               <a:ext uri="{FF2B5EF4-FFF2-40B4-BE49-F238E27FC236}">
-                <a16:creationId xmlns:a16="http://schemas.microsoft.com/office/drawing/2014/main" xmlns="" id="{A4DC363A-5000-472E-8B17-02E7DCB8840A}"/>
+                <a16:creationId xmlns:a16="http://schemas.microsoft.com/office/drawing/2014/main" id="{A4DC363A-5000-472E-8B17-02E7DCB8840A}"/>
               </a:ext>
             </a:extLst>
           </p:cNvPr>
@@ -3528,7 +3527,7 @@
           <a:p>
             <a:fld id="{63289F7E-B80B-496E-81B4-D396C37C9454}" type="datetimeFigureOut">
               <a:rPr lang="pt-BR" smtClean="0"/>
-              <a:t>21/01/2026</a:t>
+              <a:t>22/01/2026</a:t>
             </a:fld>
             <a:endParaRPr lang="pt-BR"/>
           </a:p>
@@ -3539,7 +3538,7 @@
           <p:cNvPr id="6" name="Espaço Reservado para Rodapé 5">
             <a:extLst>
               <a:ext uri="{FF2B5EF4-FFF2-40B4-BE49-F238E27FC236}">
-                <a16:creationId xmlns:a16="http://schemas.microsoft.com/office/drawing/2014/main" xmlns="" id="{5548425D-2C21-4C56-BAD4-662978775C28}"/>
+                <a16:creationId xmlns:a16="http://schemas.microsoft.com/office/drawing/2014/main" id="{5548425D-2C21-4C56-BAD4-662978775C28}"/>
               </a:ext>
             </a:extLst>
           </p:cNvPr>
@@ -3564,7 +3563,7 @@
           <p:cNvPr id="7" name="Espaço Reservado para Número de Slide 6">
             <a:extLst>
               <a:ext uri="{FF2B5EF4-FFF2-40B4-BE49-F238E27FC236}">
-                <a16:creationId xmlns:a16="http://schemas.microsoft.com/office/drawing/2014/main" xmlns="" id="{C63E9726-E64C-42B2-AE8A-8C235A956B48}"/>
+                <a16:creationId xmlns:a16="http://schemas.microsoft.com/office/drawing/2014/main" id="{C63E9726-E64C-42B2-AE8A-8C235A956B48}"/>
               </a:ext>
             </a:extLst>
           </p:cNvPr>
@@ -3582,7 +3581,7 @@
           <a:p>
             <a:fld id="{1A7E88B7-70CE-4035-AE73-13FA6FB985D4}" type="slidenum">
               <a:rPr lang="pt-BR" smtClean="0"/>
-              <a:t>‹nº›</a:t>
+              <a:t>‹#›</a:t>
             </a:fld>
             <a:endParaRPr lang="pt-BR"/>
           </a:p>
@@ -3623,7 +3622,7 @@
           <p:cNvPr id="2" name="Título 1">
             <a:extLst>
               <a:ext uri="{FF2B5EF4-FFF2-40B4-BE49-F238E27FC236}">
-                <a16:creationId xmlns:a16="http://schemas.microsoft.com/office/drawing/2014/main" xmlns="" id="{11086A78-3E74-450C-96A6-CA8AC37AF772}"/>
+                <a16:creationId xmlns:a16="http://schemas.microsoft.com/office/drawing/2014/main" id="{11086A78-3E74-450C-96A6-CA8AC37AF772}"/>
               </a:ext>
             </a:extLst>
           </p:cNvPr>
@@ -3660,7 +3659,7 @@
           <p:cNvPr id="3" name="Espaço Reservado para Imagem 2">
             <a:extLst>
               <a:ext uri="{FF2B5EF4-FFF2-40B4-BE49-F238E27FC236}">
-                <a16:creationId xmlns:a16="http://schemas.microsoft.com/office/drawing/2014/main" xmlns="" id="{5F5B7312-975A-4DBC-9B2F-3652ADA006FD}"/>
+                <a16:creationId xmlns:a16="http://schemas.microsoft.com/office/drawing/2014/main" id="{5F5B7312-975A-4DBC-9B2F-3652ADA006FD}"/>
               </a:ext>
             </a:extLst>
           </p:cNvPr>
@@ -3727,7 +3726,7 @@
           <p:cNvPr id="4" name="Espaço Reservado para Texto 3">
             <a:extLst>
               <a:ext uri="{FF2B5EF4-FFF2-40B4-BE49-F238E27FC236}">
-                <a16:creationId xmlns:a16="http://schemas.microsoft.com/office/drawing/2014/main" xmlns="" id="{AAF805F5-1DFF-41C6-944C-7D79FE0D0963}"/>
+                <a16:creationId xmlns:a16="http://schemas.microsoft.com/office/drawing/2014/main" id="{AAF805F5-1DFF-41C6-944C-7D79FE0D0963}"/>
               </a:ext>
             </a:extLst>
           </p:cNvPr>
@@ -3798,7 +3797,7 @@
           <p:cNvPr id="5" name="Espaço Reservado para Data 4">
             <a:extLst>
               <a:ext uri="{FF2B5EF4-FFF2-40B4-BE49-F238E27FC236}">
-                <a16:creationId xmlns:a16="http://schemas.microsoft.com/office/drawing/2014/main" xmlns="" id="{02113D81-8665-4516-BD81-C6A1F254EECD}"/>
+                <a16:creationId xmlns:a16="http://schemas.microsoft.com/office/drawing/2014/main" id="{02113D81-8665-4516-BD81-C6A1F254EECD}"/>
               </a:ext>
             </a:extLst>
           </p:cNvPr>
@@ -3816,7 +3815,7 @@
           <a:p>
             <a:fld id="{63289F7E-B80B-496E-81B4-D396C37C9454}" type="datetimeFigureOut">
               <a:rPr lang="pt-BR" smtClean="0"/>
-              <a:t>21/01/2026</a:t>
+              <a:t>22/01/2026</a:t>
             </a:fld>
             <a:endParaRPr lang="pt-BR"/>
           </a:p>
@@ -3827,7 +3826,7 @@
           <p:cNvPr id="6" name="Espaço Reservado para Rodapé 5">
             <a:extLst>
               <a:ext uri="{FF2B5EF4-FFF2-40B4-BE49-F238E27FC236}">
-                <a16:creationId xmlns:a16="http://schemas.microsoft.com/office/drawing/2014/main" xmlns="" id="{2B00C88B-FF32-40AA-A187-727D96FD7862}"/>
+                <a16:creationId xmlns:a16="http://schemas.microsoft.com/office/drawing/2014/main" id="{2B00C88B-FF32-40AA-A187-727D96FD7862}"/>
               </a:ext>
             </a:extLst>
           </p:cNvPr>
@@ -3852,7 +3851,7 @@
           <p:cNvPr id="7" name="Espaço Reservado para Número de Slide 6">
             <a:extLst>
               <a:ext uri="{FF2B5EF4-FFF2-40B4-BE49-F238E27FC236}">
-                <a16:creationId xmlns:a16="http://schemas.microsoft.com/office/drawing/2014/main" xmlns="" id="{A04D1A2D-69F7-4B8F-A730-BC26DC340BA6}"/>
+                <a16:creationId xmlns:a16="http://schemas.microsoft.com/office/drawing/2014/main" id="{A04D1A2D-69F7-4B8F-A730-BC26DC340BA6}"/>
               </a:ext>
             </a:extLst>
           </p:cNvPr>
@@ -3870,7 +3869,7 @@
           <a:p>
             <a:fld id="{1A7E88B7-70CE-4035-AE73-13FA6FB985D4}" type="slidenum">
               <a:rPr lang="pt-BR" smtClean="0"/>
-              <a:t>‹nº›</a:t>
+              <a:t>‹#›</a:t>
             </a:fld>
             <a:endParaRPr lang="pt-BR"/>
           </a:p>
@@ -3916,7 +3915,7 @@
           <p:cNvPr id="2" name="Espaço Reservado para Título 1">
             <a:extLst>
               <a:ext uri="{FF2B5EF4-FFF2-40B4-BE49-F238E27FC236}">
-                <a16:creationId xmlns:a16="http://schemas.microsoft.com/office/drawing/2014/main" xmlns="" id="{E69A0273-1966-4A1B-9370-4C1CE5036371}"/>
+                <a16:creationId xmlns:a16="http://schemas.microsoft.com/office/drawing/2014/main" id="{E69A0273-1966-4A1B-9370-4C1CE5036371}"/>
               </a:ext>
             </a:extLst>
           </p:cNvPr>
@@ -3954,7 +3953,7 @@
           <p:cNvPr id="3" name="Espaço Reservado para Texto 2">
             <a:extLst>
               <a:ext uri="{FF2B5EF4-FFF2-40B4-BE49-F238E27FC236}">
-                <a16:creationId xmlns:a16="http://schemas.microsoft.com/office/drawing/2014/main" xmlns="" id="{3B9CF87A-0448-49A7-AB25-EBC1D56A40EF}"/>
+                <a16:creationId xmlns:a16="http://schemas.microsoft.com/office/drawing/2014/main" id="{3B9CF87A-0448-49A7-AB25-EBC1D56A40EF}"/>
               </a:ext>
             </a:extLst>
           </p:cNvPr>
@@ -4021,7 +4020,7 @@
           <p:cNvPr id="4" name="Espaço Reservado para Data 3">
             <a:extLst>
               <a:ext uri="{FF2B5EF4-FFF2-40B4-BE49-F238E27FC236}">
-                <a16:creationId xmlns:a16="http://schemas.microsoft.com/office/drawing/2014/main" xmlns="" id="{2EF7B1F2-BB5A-44D0-816D-16AD2C71430E}"/>
+                <a16:creationId xmlns:a16="http://schemas.microsoft.com/office/drawing/2014/main" id="{2EF7B1F2-BB5A-44D0-816D-16AD2C71430E}"/>
               </a:ext>
             </a:extLst>
           </p:cNvPr>
@@ -4057,7 +4056,7 @@
           <a:p>
             <a:fld id="{63289F7E-B80B-496E-81B4-D396C37C9454}" type="datetimeFigureOut">
               <a:rPr lang="pt-BR" smtClean="0"/>
-              <a:t>21/01/2026</a:t>
+              <a:t>22/01/2026</a:t>
             </a:fld>
             <a:endParaRPr lang="pt-BR"/>
           </a:p>
@@ -4068,7 +4067,7 @@
           <p:cNvPr id="5" name="Espaço Reservado para Rodapé 4">
             <a:extLst>
               <a:ext uri="{FF2B5EF4-FFF2-40B4-BE49-F238E27FC236}">
-                <a16:creationId xmlns:a16="http://schemas.microsoft.com/office/drawing/2014/main" xmlns="" id="{C703F94C-2CC8-4DAA-BC35-14FC3E841DCD}"/>
+                <a16:creationId xmlns:a16="http://schemas.microsoft.com/office/drawing/2014/main" id="{C703F94C-2CC8-4DAA-BC35-14FC3E841DCD}"/>
               </a:ext>
             </a:extLst>
           </p:cNvPr>
@@ -4111,7 +4110,7 @@
           <p:cNvPr id="6" name="Espaço Reservado para Número de Slide 5">
             <a:extLst>
               <a:ext uri="{FF2B5EF4-FFF2-40B4-BE49-F238E27FC236}">
-                <a16:creationId xmlns:a16="http://schemas.microsoft.com/office/drawing/2014/main" xmlns="" id="{64051336-7048-457A-8B61-D94291D71648}"/>
+                <a16:creationId xmlns:a16="http://schemas.microsoft.com/office/drawing/2014/main" id="{64051336-7048-457A-8B61-D94291D71648}"/>
               </a:ext>
             </a:extLst>
           </p:cNvPr>
@@ -4147,7 +4146,7 @@
           <a:p>
             <a:fld id="{1A7E88B7-70CE-4035-AE73-13FA6FB985D4}" type="slidenum">
               <a:rPr lang="pt-BR" smtClean="0"/>
-              <a:t>‹nº›</a:t>
+              <a:t>‹#›</a:t>
             </a:fld>
             <a:endParaRPr lang="pt-BR"/>
           </a:p>
@@ -4479,7 +4478,7 @@
           <p:cNvPr id="4" name="CaixaDeTexto 3">
             <a:extLst>
               <a:ext uri="{FF2B5EF4-FFF2-40B4-BE49-F238E27FC236}">
-                <a16:creationId xmlns:a16="http://schemas.microsoft.com/office/drawing/2014/main" xmlns="" id="{430EB894-B7D4-434C-9D1A-A14094D9BEEC}"/>
+                <a16:creationId xmlns:a16="http://schemas.microsoft.com/office/drawing/2014/main" id="{430EB894-B7D4-434C-9D1A-A14094D9BEEC}"/>
               </a:ext>
             </a:extLst>
           </p:cNvPr>
@@ -4523,7 +4522,7 @@
           <p:cNvPr id="1026" name="Picture 2" descr="Logo">
             <a:extLst>
               <a:ext uri="{FF2B5EF4-FFF2-40B4-BE49-F238E27FC236}">
-                <a16:creationId xmlns:a16="http://schemas.microsoft.com/office/drawing/2014/main" xmlns="" id="{3F2642E0-4F6A-4196-8F58-E77D36E9A33F}"/>
+                <a16:creationId xmlns:a16="http://schemas.microsoft.com/office/drawing/2014/main" id="{3F2642E0-4F6A-4196-8F58-E77D36E9A33F}"/>
               </a:ext>
             </a:extLst>
           </p:cNvPr>
@@ -4568,7 +4567,7 @@
           <p:cNvPr id="5122" name="Picture 2" descr="Image result for machine learning">
             <a:extLst>
               <a:ext uri="{FF2B5EF4-FFF2-40B4-BE49-F238E27FC236}">
-                <a16:creationId xmlns:a16="http://schemas.microsoft.com/office/drawing/2014/main" xmlns="" id="{810CE0A2-4102-44A6-A370-175E7896CDCB}"/>
+                <a16:creationId xmlns:a16="http://schemas.microsoft.com/office/drawing/2014/main" id="{810CE0A2-4102-44A6-A370-175E7896CDCB}"/>
               </a:ext>
             </a:extLst>
           </p:cNvPr>
@@ -4613,7 +4612,7 @@
           <p:cNvPr id="7" name="Título 1">
             <a:extLst>
               <a:ext uri="{FF2B5EF4-FFF2-40B4-BE49-F238E27FC236}">
-                <a16:creationId xmlns:a16="http://schemas.microsoft.com/office/drawing/2014/main" xmlns="" id="{32666AC8-2E17-4DB4-B0F5-60C640CCFD2E}"/>
+                <a16:creationId xmlns:a16="http://schemas.microsoft.com/office/drawing/2014/main" id="{32666AC8-2E17-4DB4-B0F5-60C640CCFD2E}"/>
               </a:ext>
             </a:extLst>
           </p:cNvPr>
@@ -4639,10 +4638,6 @@
             <a:r>
               <a:rPr lang="pt-BR" sz="6600" dirty="0"/>
               <a:t>C24 - Inteligência Artificial:</a:t>
-            </a:r>
-            <a:r>
-              <a:rPr lang="pt-BR" sz="7200" dirty="0"/>
-              <a:t/>
             </a:r>
             <a:br>
               <a:rPr lang="pt-BR" sz="7200" dirty="0"/>
@@ -4690,7 +4685,7 @@
           <p:cNvPr id="2" name="Title 1">
             <a:extLst>
               <a:ext uri="{FF2B5EF4-FFF2-40B4-BE49-F238E27FC236}">
-                <a16:creationId xmlns:a16="http://schemas.microsoft.com/office/drawing/2014/main" xmlns="" id="{360D0CA4-219F-B2F8-2326-FCB5C2305B19}"/>
+                <a16:creationId xmlns:a16="http://schemas.microsoft.com/office/drawing/2014/main" id="{360D0CA4-219F-B2F8-2326-FCB5C2305B19}"/>
               </a:ext>
             </a:extLst>
           </p:cNvPr>
@@ -4727,7 +4722,7 @@
           <p:cNvPr id="3" name="Content Placeholder 2">
             <a:extLst>
               <a:ext uri="{FF2B5EF4-FFF2-40B4-BE49-F238E27FC236}">
-                <a16:creationId xmlns:a16="http://schemas.microsoft.com/office/drawing/2014/main" xmlns="" id="{B59CF505-9425-FAE9-8AD1-28EE07D08CA6}"/>
+                <a16:creationId xmlns:a16="http://schemas.microsoft.com/office/drawing/2014/main" id="{B59CF505-9425-FAE9-8AD1-28EE07D08CA6}"/>
               </a:ext>
             </a:extLst>
           </p:cNvPr>
@@ -4798,7 +4793,7 @@
           <p:cNvPr id="2" name="Title 1">
             <a:extLst>
               <a:ext uri="{FF2B5EF4-FFF2-40B4-BE49-F238E27FC236}">
-                <a16:creationId xmlns:a16="http://schemas.microsoft.com/office/drawing/2014/main" xmlns="" id="{7134AF97-908A-27C3-C4BD-6C757E93F206}"/>
+                <a16:creationId xmlns:a16="http://schemas.microsoft.com/office/drawing/2014/main" id="{7134AF97-908A-27C3-C4BD-6C757E93F206}"/>
               </a:ext>
             </a:extLst>
           </p:cNvPr>
@@ -4830,7 +4825,7 @@
           <p:cNvPr id="3" name="Content Placeholder 2">
             <a:extLst>
               <a:ext uri="{FF2B5EF4-FFF2-40B4-BE49-F238E27FC236}">
-                <a16:creationId xmlns:a16="http://schemas.microsoft.com/office/drawing/2014/main" xmlns="" id="{B4ADB3AA-57FC-C53D-D2FA-FDB4A0869E7F}"/>
+                <a16:creationId xmlns:a16="http://schemas.microsoft.com/office/drawing/2014/main" id="{B4ADB3AA-57FC-C53D-D2FA-FDB4A0869E7F}"/>
               </a:ext>
             </a:extLst>
           </p:cNvPr>
@@ -4917,7 +4912,7 @@
           <p:cNvPr id="2" name="Title 1">
             <a:extLst>
               <a:ext uri="{FF2B5EF4-FFF2-40B4-BE49-F238E27FC236}">
-                <a16:creationId xmlns:a16="http://schemas.microsoft.com/office/drawing/2014/main" xmlns="" id="{7B6C86E6-DCF1-113B-1536-5A59E1623585}"/>
+                <a16:creationId xmlns:a16="http://schemas.microsoft.com/office/drawing/2014/main" id="{7B6C86E6-DCF1-113B-1536-5A59E1623585}"/>
               </a:ext>
             </a:extLst>
           </p:cNvPr>
@@ -4962,7 +4957,7 @@
           <p:cNvPr id="3" name="Content Placeholder 2">
             <a:extLst>
               <a:ext uri="{FF2B5EF4-FFF2-40B4-BE49-F238E27FC236}">
-                <a16:creationId xmlns:a16="http://schemas.microsoft.com/office/drawing/2014/main" xmlns="" id="{47430A83-F9FF-CEFD-47B0-7932118684A2}"/>
+                <a16:creationId xmlns:a16="http://schemas.microsoft.com/office/drawing/2014/main" id="{47430A83-F9FF-CEFD-47B0-7932118684A2}"/>
               </a:ext>
             </a:extLst>
           </p:cNvPr>
@@ -5044,7 +5039,7 @@
           <p:cNvPr id="2" name="Title 1">
             <a:extLst>
               <a:ext uri="{FF2B5EF4-FFF2-40B4-BE49-F238E27FC236}">
-                <a16:creationId xmlns:a16="http://schemas.microsoft.com/office/drawing/2014/main" xmlns="" id="{1B53D3B9-5DC6-D790-F6E9-E01186264AB3}"/>
+                <a16:creationId xmlns:a16="http://schemas.microsoft.com/office/drawing/2014/main" id="{1B53D3B9-5DC6-D790-F6E9-E01186264AB3}"/>
               </a:ext>
             </a:extLst>
           </p:cNvPr>
@@ -5081,7 +5076,7 @@
           <p:cNvPr id="3" name="Content Placeholder 2">
             <a:extLst>
               <a:ext uri="{FF2B5EF4-FFF2-40B4-BE49-F238E27FC236}">
-                <a16:creationId xmlns:a16="http://schemas.microsoft.com/office/drawing/2014/main" xmlns="" id="{98CFBC8F-42F3-78B3-8341-623E54191A7F}"/>
+                <a16:creationId xmlns:a16="http://schemas.microsoft.com/office/drawing/2014/main" id="{98CFBC8F-42F3-78B3-8341-623E54191A7F}"/>
               </a:ext>
             </a:extLst>
           </p:cNvPr>
@@ -5175,7 +5170,7 @@
           <p:cNvPr id="2" name="Title 1">
             <a:extLst>
               <a:ext uri="{FF2B5EF4-FFF2-40B4-BE49-F238E27FC236}">
-                <a16:creationId xmlns:a16="http://schemas.microsoft.com/office/drawing/2014/main" xmlns="" id="{33537301-E949-B812-9EF5-3CA58CB6AF62}"/>
+                <a16:creationId xmlns:a16="http://schemas.microsoft.com/office/drawing/2014/main" id="{33537301-E949-B812-9EF5-3CA58CB6AF62}"/>
               </a:ext>
             </a:extLst>
           </p:cNvPr>
@@ -5207,7 +5202,7 @@
           <p:cNvPr id="3" name="Content Placeholder 2">
             <a:extLst>
               <a:ext uri="{FF2B5EF4-FFF2-40B4-BE49-F238E27FC236}">
-                <a16:creationId xmlns:a16="http://schemas.microsoft.com/office/drawing/2014/main" xmlns="" id="{8D9EFEFD-73F6-A8FB-7EE8-766DA0A88231}"/>
+                <a16:creationId xmlns:a16="http://schemas.microsoft.com/office/drawing/2014/main" id="{8D9EFEFD-73F6-A8FB-7EE8-766DA0A88231}"/>
               </a:ext>
             </a:extLst>
           </p:cNvPr>
@@ -5296,7 +5291,7 @@
           <p:cNvPr id="2" name="Title 1">
             <a:extLst>
               <a:ext uri="{FF2B5EF4-FFF2-40B4-BE49-F238E27FC236}">
-                <a16:creationId xmlns:a16="http://schemas.microsoft.com/office/drawing/2014/main" xmlns="" id="{6EB5D50B-BE36-C048-BCD0-602BE990B43A}"/>
+                <a16:creationId xmlns:a16="http://schemas.microsoft.com/office/drawing/2014/main" id="{6EB5D50B-BE36-C048-BCD0-602BE990B43A}"/>
               </a:ext>
             </a:extLst>
           </p:cNvPr>
@@ -5321,7 +5316,7 @@
           <p:cNvPr id="3" name="Content Placeholder 2">
             <a:extLst>
               <a:ext uri="{FF2B5EF4-FFF2-40B4-BE49-F238E27FC236}">
-                <a16:creationId xmlns:a16="http://schemas.microsoft.com/office/drawing/2014/main" xmlns="" id="{23E7A716-FAD7-6C06-899D-D3D5115D7306}"/>
+                <a16:creationId xmlns:a16="http://schemas.microsoft.com/office/drawing/2014/main" id="{23E7A716-FAD7-6C06-899D-D3D5115D7306}"/>
               </a:ext>
             </a:extLst>
           </p:cNvPr>
@@ -5407,7 +5402,7 @@
           <p:cNvPr id="2" name="Título 1">
             <a:extLst>
               <a:ext uri="{FF2B5EF4-FFF2-40B4-BE49-F238E27FC236}">
-                <a16:creationId xmlns:a16="http://schemas.microsoft.com/office/drawing/2014/main" xmlns="" id="{94AB8438-E56E-2412-517C-8456E4CA773C}"/>
+                <a16:creationId xmlns:a16="http://schemas.microsoft.com/office/drawing/2014/main" id="{94AB8438-E56E-2412-517C-8456E4CA773C}"/>
               </a:ext>
             </a:extLst>
           </p:cNvPr>
@@ -5425,7 +5420,7 @@
           <a:p>
             <a:r>
               <a:rPr lang="pt-BR" dirty="0"/>
-              <a:t>Fundamentação teórica</a:t>
+              <a:t>Exemplo</a:t>
             </a:r>
           </a:p>
         </p:txBody>
@@ -5435,7 +5430,7 @@
           <p:cNvPr id="3" name="Espaço Reservado para Conteúdo 2">
             <a:extLst>
               <a:ext uri="{FF2B5EF4-FFF2-40B4-BE49-F238E27FC236}">
-                <a16:creationId xmlns:a16="http://schemas.microsoft.com/office/drawing/2014/main" xmlns="" id="{F7E2B09C-6D56-4C9F-A364-B904CCE2F1A0}"/>
+                <a16:creationId xmlns:a16="http://schemas.microsoft.com/office/drawing/2014/main" id="{F7E2B09C-6D56-4C9F-A364-B904CCE2F1A0}"/>
               </a:ext>
             </a:extLst>
           </p:cNvPr>
@@ -5499,7 +5494,7 @@
           <p:cNvPr id="2050" name="Picture 2" descr="Exploratory Data Analysis (EDA) to understand and Prepare Data">
             <a:extLst>
               <a:ext uri="{FF2B5EF4-FFF2-40B4-BE49-F238E27FC236}">
-                <a16:creationId xmlns:a16="http://schemas.microsoft.com/office/drawing/2014/main" xmlns="" id="{2B53786C-EA48-EFA0-0C06-852C72B3C315}"/>
+                <a16:creationId xmlns:a16="http://schemas.microsoft.com/office/drawing/2014/main" id="{2B53786C-EA48-EFA0-0C06-852C72B3C315}"/>
               </a:ext>
             </a:extLst>
           </p:cNvPr>
@@ -5546,7 +5541,7 @@
           <p:cNvPr id="1026" name="Picture 2" descr="The Importance of Data Preprocessing in Machine Learning (ML) - The  Couchbase Blog">
             <a:extLst>
               <a:ext uri="{FF2B5EF4-FFF2-40B4-BE49-F238E27FC236}">
-                <a16:creationId xmlns:a16="http://schemas.microsoft.com/office/drawing/2014/main" xmlns="" id="{F14B1968-D6A4-B3E7-DF55-77B89A9AD4EC}"/>
+                <a16:creationId xmlns:a16="http://schemas.microsoft.com/office/drawing/2014/main" id="{F14B1968-D6A4-B3E7-DF55-77B89A9AD4EC}"/>
               </a:ext>
             </a:extLst>
           </p:cNvPr>
@@ -5623,7 +5618,7 @@
           <p:cNvPr id="4" name="Título 1">
             <a:extLst>
               <a:ext uri="{FF2B5EF4-FFF2-40B4-BE49-F238E27FC236}">
-                <a16:creationId xmlns:a16="http://schemas.microsoft.com/office/drawing/2014/main" xmlns="" id="{32666AC8-2E17-4DB4-B0F5-60C640CCFD2E}"/>
+                <a16:creationId xmlns:a16="http://schemas.microsoft.com/office/drawing/2014/main" id="{32666AC8-2E17-4DB4-B0F5-60C640CCFD2E}"/>
               </a:ext>
             </a:extLst>
           </p:cNvPr>
@@ -5706,61 +5701,64 @@
       </p:grpSpPr>
       <p:sp>
         <p:nvSpPr>
-          <p:cNvPr id="2" name="Título 1">
-            <a:extLst>
-              <a:ext uri="{FF2B5EF4-FFF2-40B4-BE49-F238E27FC236}">
-                <a16:creationId xmlns:a16="http://schemas.microsoft.com/office/drawing/2014/main" xmlns="" id="{3CA32550-8C76-B013-2EC7-989D8C3B19BE}"/>
-              </a:ext>
-            </a:extLst>
-          </p:cNvPr>
-          <p:cNvSpPr>
-            <a:spLocks noGrp="1"/>
-          </p:cNvSpPr>
-          <p:nvPr>
-            <p:ph type="title"/>
-          </p:nvPr>
-        </p:nvSpPr>
-        <p:spPr/>
-        <p:txBody>
-          <a:bodyPr/>
-          <a:lstStyle/>
-          <a:p>
-            <a:r>
-              <a:rPr lang="pt-BR" dirty="0"/>
-              <a:t>Referências</a:t>
-            </a:r>
-          </a:p>
-        </p:txBody>
-      </p:sp>
-      <p:sp>
-        <p:nvSpPr>
-          <p:cNvPr id="3" name="Espaço Reservado para Conteúdo 2">
-            <a:extLst>
-              <a:ext uri="{FF2B5EF4-FFF2-40B4-BE49-F238E27FC236}">
-                <a16:creationId xmlns:a16="http://schemas.microsoft.com/office/drawing/2014/main" xmlns="" id="{EF043237-7757-7557-B63E-D4EB5152D44B}"/>
-              </a:ext>
-            </a:extLst>
-          </p:cNvPr>
-          <p:cNvSpPr>
-            <a:spLocks noGrp="1"/>
-          </p:cNvSpPr>
-          <p:nvPr>
-            <p:ph idx="1"/>
-          </p:nvPr>
-        </p:nvSpPr>
-        <p:spPr/>
-        <p:txBody>
-          <a:bodyPr/>
-          <a:lstStyle/>
-          <a:p>
-            <a:endParaRPr lang="pt-BR"/>
+          <p:cNvPr id="4" name="Título 1">
+            <a:extLst>
+              <a:ext uri="{FF2B5EF4-FFF2-40B4-BE49-F238E27FC236}">
+                <a16:creationId xmlns:a16="http://schemas.microsoft.com/office/drawing/2014/main" id="{32666AC8-2E17-4DB4-B0F5-60C640CCFD2E}"/>
+              </a:ext>
+            </a:extLst>
+          </p:cNvPr>
+          <p:cNvSpPr txBox="1">
+            <a:spLocks/>
+          </p:cNvSpPr>
+          <p:nvPr/>
+        </p:nvSpPr>
+        <p:spPr>
+          <a:xfrm>
+            <a:off x="1431533" y="2720526"/>
+            <a:ext cx="9144000" cy="1029541"/>
+          </a:xfrm>
+          <a:prstGeom prst="rect">
+            <a:avLst/>
+          </a:prstGeom>
+        </p:spPr>
+        <p:txBody>
+          <a:bodyPr vert="horz" lIns="91440" tIns="45720" rIns="91440" bIns="45720" rtlCol="0" anchor="ctr">
+            <a:normAutofit/>
+          </a:bodyPr>
+          <a:lstStyle>
+            <a:lvl1pPr algn="l" defTabSz="914400" rtl="0" eaLnBrk="1" latinLnBrk="0" hangingPunct="1">
+              <a:lnSpc>
+                <a:spcPct val="90000"/>
+              </a:lnSpc>
+              <a:spcBef>
+                <a:spcPct val="0"/>
+              </a:spcBef>
+              <a:buNone/>
+              <a:defRPr sz="4400" kern="1200">
+                <a:solidFill>
+                  <a:schemeClr val="tx1"/>
+                </a:solidFill>
+                <a:latin typeface="+mj-lt"/>
+                <a:ea typeface="+mj-ea"/>
+                <a:cs typeface="+mj-cs"/>
+              </a:defRPr>
+            </a:lvl1pPr>
+          </a:lstStyle>
+          <a:p>
+            <a:pPr algn="ctr"/>
+            <a:r>
+              <a:rPr lang="pt-BR" sz="6600" dirty="0"/>
+              <a:t>Obrigado!</a:t>
+            </a:r>
+            <a:endParaRPr lang="pt-BR" sz="6600" b="1" i="1" dirty="0"/>
           </a:p>
         </p:txBody>
       </p:sp>
     </p:spTree>
     <p:extLst>
       <p:ext uri="{BB962C8B-B14F-4D97-AF65-F5344CB8AC3E}">
-        <p14:creationId xmlns:p14="http://schemas.microsoft.com/office/powerpoint/2010/main" val="1787264919"/>
+        <p14:creationId xmlns:p14="http://schemas.microsoft.com/office/powerpoint/2010/main" val="2655704619"/>
       </p:ext>
     </p:extLst>
   </p:cSld>
@@ -5792,7 +5790,7 @@
           <p:cNvPr id="1028" name="Picture 4" descr="Exploratory Data Analysis (EDA)through Data Visualization. | by Michael  Ngecha | Medium">
             <a:extLst>
               <a:ext uri="{FF2B5EF4-FFF2-40B4-BE49-F238E27FC236}">
-                <a16:creationId xmlns:a16="http://schemas.microsoft.com/office/drawing/2014/main" xmlns="" id="{B13B8774-B804-6B29-8825-D56539EBF0E0}"/>
+                <a16:creationId xmlns:a16="http://schemas.microsoft.com/office/drawing/2014/main" id="{B13B8774-B804-6B29-8825-D56539EBF0E0}"/>
               </a:ext>
             </a:extLst>
           </p:cNvPr>
@@ -5839,7 +5837,7 @@
           <p:cNvPr id="4" name="TextBox 3">
             <a:extLst>
               <a:ext uri="{FF2B5EF4-FFF2-40B4-BE49-F238E27FC236}">
-                <a16:creationId xmlns:a16="http://schemas.microsoft.com/office/drawing/2014/main" xmlns="" id="{284F3ECF-0562-63DD-49E8-BDC0AE061BAE}"/>
+                <a16:creationId xmlns:a16="http://schemas.microsoft.com/office/drawing/2014/main" id="{284F3ECF-0562-63DD-49E8-BDC0AE061BAE}"/>
               </a:ext>
             </a:extLst>
           </p:cNvPr>
@@ -5875,92 +5873,6 @@
     <p:extLst>
       <p:ext uri="{BB962C8B-B14F-4D97-AF65-F5344CB8AC3E}">
         <p14:creationId xmlns:p14="http://schemas.microsoft.com/office/powerpoint/2010/main" val="1579299111"/>
-      </p:ext>
-    </p:extLst>
-  </p:cSld>
-  <p:clrMapOvr>
-    <a:masterClrMapping/>
-  </p:clrMapOvr>
-</p:sld>
-</file>
-
-<file path=ppt/slides/slide20.xml><?xml version="1.0" encoding="utf-8"?>
-<p:sld xmlns:a="http://schemas.openxmlformats.org/drawingml/2006/main" xmlns:r="http://schemas.openxmlformats.org/officeDocument/2006/relationships" xmlns:p="http://schemas.openxmlformats.org/presentationml/2006/main">
-  <p:cSld>
-    <p:spTree>
-      <p:nvGrpSpPr>
-        <p:cNvPr id="1" name=""/>
-        <p:cNvGrpSpPr/>
-        <p:nvPr/>
-      </p:nvGrpSpPr>
-      <p:grpSpPr>
-        <a:xfrm>
-          <a:off x="0" y="0"/>
-          <a:ext cx="0" cy="0"/>
-          <a:chOff x="0" y="0"/>
-          <a:chExt cx="0" cy="0"/>
-        </a:xfrm>
-      </p:grpSpPr>
-      <p:sp>
-        <p:nvSpPr>
-          <p:cNvPr id="4" name="Título 1">
-            <a:extLst>
-              <a:ext uri="{FF2B5EF4-FFF2-40B4-BE49-F238E27FC236}">
-                <a16:creationId xmlns:a16="http://schemas.microsoft.com/office/drawing/2014/main" xmlns="" id="{32666AC8-2E17-4DB4-B0F5-60C640CCFD2E}"/>
-              </a:ext>
-            </a:extLst>
-          </p:cNvPr>
-          <p:cNvSpPr txBox="1">
-            <a:spLocks/>
-          </p:cNvSpPr>
-          <p:nvPr/>
-        </p:nvSpPr>
-        <p:spPr>
-          <a:xfrm>
-            <a:off x="1431533" y="2720526"/>
-            <a:ext cx="9144000" cy="1029541"/>
-          </a:xfrm>
-          <a:prstGeom prst="rect">
-            <a:avLst/>
-          </a:prstGeom>
-        </p:spPr>
-        <p:txBody>
-          <a:bodyPr vert="horz" lIns="91440" tIns="45720" rIns="91440" bIns="45720" rtlCol="0" anchor="ctr">
-            <a:normAutofit/>
-          </a:bodyPr>
-          <a:lstStyle>
-            <a:lvl1pPr algn="l" defTabSz="914400" rtl="0" eaLnBrk="1" latinLnBrk="0" hangingPunct="1">
-              <a:lnSpc>
-                <a:spcPct val="90000"/>
-              </a:lnSpc>
-              <a:spcBef>
-                <a:spcPct val="0"/>
-              </a:spcBef>
-              <a:buNone/>
-              <a:defRPr sz="4400" kern="1200">
-                <a:solidFill>
-                  <a:schemeClr val="tx1"/>
-                </a:solidFill>
-                <a:latin typeface="+mj-lt"/>
-                <a:ea typeface="+mj-ea"/>
-                <a:cs typeface="+mj-cs"/>
-              </a:defRPr>
-            </a:lvl1pPr>
-          </a:lstStyle>
-          <a:p>
-            <a:pPr algn="ctr"/>
-            <a:r>
-              <a:rPr lang="pt-BR" sz="6600" dirty="0"/>
-              <a:t>Obrigado!</a:t>
-            </a:r>
-            <a:endParaRPr lang="pt-BR" sz="6600" b="1" i="1" dirty="0"/>
-          </a:p>
-        </p:txBody>
-      </p:sp>
-    </p:spTree>
-    <p:extLst>
-      <p:ext uri="{BB962C8B-B14F-4D97-AF65-F5344CB8AC3E}">
-        <p14:creationId xmlns:p14="http://schemas.microsoft.com/office/powerpoint/2010/main" val="2655704619"/>
       </p:ext>
     </p:extLst>
   </p:cSld>
@@ -5992,7 +5904,7 @@
           <p:cNvPr id="2" name="Título 1">
             <a:extLst>
               <a:ext uri="{FF2B5EF4-FFF2-40B4-BE49-F238E27FC236}">
-                <a16:creationId xmlns:a16="http://schemas.microsoft.com/office/drawing/2014/main" xmlns="" id="{7F5FF925-67DE-CC62-E869-C6E3C1D771E6}"/>
+                <a16:creationId xmlns:a16="http://schemas.microsoft.com/office/drawing/2014/main" id="{7F5FF925-67DE-CC62-E869-C6E3C1D771E6}"/>
               </a:ext>
             </a:extLst>
           </p:cNvPr>
@@ -6020,7 +5932,7 @@
           <p:cNvPr id="3" name="Espaço Reservado para Conteúdo 2">
             <a:extLst>
               <a:ext uri="{FF2B5EF4-FFF2-40B4-BE49-F238E27FC236}">
-                <a16:creationId xmlns:a16="http://schemas.microsoft.com/office/drawing/2014/main" xmlns="" id="{7DA84068-671A-9D40-4F76-2C57E4F720C2}"/>
+                <a16:creationId xmlns:a16="http://schemas.microsoft.com/office/drawing/2014/main" id="{7DA84068-671A-9D40-4F76-2C57E4F720C2}"/>
               </a:ext>
             </a:extLst>
           </p:cNvPr>
@@ -6109,7 +6021,7 @@
           <p:cNvPr id="12" name="Picture 11">
             <a:extLst>
               <a:ext uri="{FF2B5EF4-FFF2-40B4-BE49-F238E27FC236}">
-                <a16:creationId xmlns:a16="http://schemas.microsoft.com/office/drawing/2014/main" xmlns="" id="{BC8613DC-A437-4282-CBE3-E2051081F76D}"/>
+                <a16:creationId xmlns:a16="http://schemas.microsoft.com/office/drawing/2014/main" id="{BC8613DC-A437-4282-CBE3-E2051081F76D}"/>
               </a:ext>
             </a:extLst>
           </p:cNvPr>
@@ -6175,7 +6087,7 @@
           <p:cNvPr id="2" name="Title 1">
             <a:extLst>
               <a:ext uri="{FF2B5EF4-FFF2-40B4-BE49-F238E27FC236}">
-                <a16:creationId xmlns:a16="http://schemas.microsoft.com/office/drawing/2014/main" xmlns="" id="{7B4A0189-07D9-7182-C49F-053B36583A68}"/>
+                <a16:creationId xmlns:a16="http://schemas.microsoft.com/office/drawing/2014/main" id="{7B4A0189-07D9-7182-C49F-053B36583A68}"/>
               </a:ext>
             </a:extLst>
           </p:cNvPr>
@@ -6204,7 +6116,7 @@
           <p:cNvPr id="3" name="Content Placeholder 2">
             <a:extLst>
               <a:ext uri="{FF2B5EF4-FFF2-40B4-BE49-F238E27FC236}">
-                <a16:creationId xmlns:a16="http://schemas.microsoft.com/office/drawing/2014/main" xmlns="" id="{0F9158B5-68E9-E42E-59A2-B618E69A0BD5}"/>
+                <a16:creationId xmlns:a16="http://schemas.microsoft.com/office/drawing/2014/main" id="{0F9158B5-68E9-E42E-59A2-B618E69A0BD5}"/>
               </a:ext>
             </a:extLst>
           </p:cNvPr>
@@ -6250,7 +6162,7 @@
           <p:cNvPr id="1026" name="Picture 2" descr="Machine Learning — Garbage in Garbage Out | by Ritresh Girdhar | Medium">
             <a:extLst>
               <a:ext uri="{FF2B5EF4-FFF2-40B4-BE49-F238E27FC236}">
-                <a16:creationId xmlns:a16="http://schemas.microsoft.com/office/drawing/2014/main" xmlns="" id="{1B7547F4-3D77-E9AF-BE27-E93FA57A1E04}"/>
+                <a16:creationId xmlns:a16="http://schemas.microsoft.com/office/drawing/2014/main" id="{1B7547F4-3D77-E9AF-BE27-E93FA57A1E04}"/>
               </a:ext>
             </a:extLst>
           </p:cNvPr>
@@ -6327,7 +6239,7 @@
           <p:cNvPr id="2" name="Title 1">
             <a:extLst>
               <a:ext uri="{FF2B5EF4-FFF2-40B4-BE49-F238E27FC236}">
-                <a16:creationId xmlns:a16="http://schemas.microsoft.com/office/drawing/2014/main" xmlns="" id="{F072D4A1-A378-83FF-6C9A-4A09E09FD05E}"/>
+                <a16:creationId xmlns:a16="http://schemas.microsoft.com/office/drawing/2014/main" id="{F072D4A1-A378-83FF-6C9A-4A09E09FD05E}"/>
               </a:ext>
             </a:extLst>
           </p:cNvPr>
@@ -6355,7 +6267,7 @@
           <p:cNvPr id="3" name="Content Placeholder 2">
             <a:extLst>
               <a:ext uri="{FF2B5EF4-FFF2-40B4-BE49-F238E27FC236}">
-                <a16:creationId xmlns:a16="http://schemas.microsoft.com/office/drawing/2014/main" xmlns="" id="{32D13CB1-C083-7C27-6EF9-0E24F7336567}"/>
+                <a16:creationId xmlns:a16="http://schemas.microsoft.com/office/drawing/2014/main" id="{32D13CB1-C083-7C27-6EF9-0E24F7336567}"/>
               </a:ext>
             </a:extLst>
           </p:cNvPr>
@@ -6525,7 +6437,7 @@
           <p:cNvPr id="2050" name="Picture 2" descr="python - Boxplot of Multiple Columns of a Pandas Dataframe on the Same  Figure (seaborn) - Stack Overflow">
             <a:extLst>
               <a:ext uri="{FF2B5EF4-FFF2-40B4-BE49-F238E27FC236}">
-                <a16:creationId xmlns:a16="http://schemas.microsoft.com/office/drawing/2014/main" xmlns="" id="{AC874FC9-D4DF-FCCE-7D4C-6E37E308A9B2}"/>
+                <a16:creationId xmlns:a16="http://schemas.microsoft.com/office/drawing/2014/main" id="{AC874FC9-D4DF-FCCE-7D4C-6E37E308A9B2}"/>
               </a:ext>
             </a:extLst>
           </p:cNvPr>
@@ -6572,7 +6484,7 @@
           <p:cNvPr id="2052" name="Picture 4" descr="Histogram notes in python with pandas and matplotlib | Andrew Wheeler">
             <a:extLst>
               <a:ext uri="{FF2B5EF4-FFF2-40B4-BE49-F238E27FC236}">
-                <a16:creationId xmlns:a16="http://schemas.microsoft.com/office/drawing/2014/main" xmlns="" id="{7E0AD8A1-106B-D18C-9700-EACF0D6422A2}"/>
+                <a16:creationId xmlns:a16="http://schemas.microsoft.com/office/drawing/2014/main" id="{7E0AD8A1-106B-D18C-9700-EACF0D6422A2}"/>
               </a:ext>
             </a:extLst>
           </p:cNvPr>
@@ -6619,7 +6531,7 @@
           <p:cNvPr id="2058" name="Picture 10" descr="Visualizing Data (within and beyond Python)">
             <a:extLst>
               <a:ext uri="{FF2B5EF4-FFF2-40B4-BE49-F238E27FC236}">
-                <a16:creationId xmlns:a16="http://schemas.microsoft.com/office/drawing/2014/main" xmlns="" id="{EF509281-F0C0-4694-DA02-F00FA0D08CB1}"/>
+                <a16:creationId xmlns:a16="http://schemas.microsoft.com/office/drawing/2014/main" id="{EF509281-F0C0-4694-DA02-F00FA0D08CB1}"/>
               </a:ext>
             </a:extLst>
           </p:cNvPr>
@@ -6666,7 +6578,7 @@
           <p:cNvPr id="2060" name="Picture 12" descr="Ler arquivo com pandas">
             <a:extLst>
               <a:ext uri="{FF2B5EF4-FFF2-40B4-BE49-F238E27FC236}">
-                <a16:creationId xmlns:a16="http://schemas.microsoft.com/office/drawing/2014/main" xmlns="" id="{579213CA-F5EB-9CFF-96B4-5DB0B3F40355}"/>
+                <a16:creationId xmlns:a16="http://schemas.microsoft.com/office/drawing/2014/main" id="{579213CA-F5EB-9CFF-96B4-5DB0B3F40355}"/>
               </a:ext>
             </a:extLst>
           </p:cNvPr>
@@ -6713,7 +6625,7 @@
           <p:cNvPr id="2062" name="Picture 14" descr="Numpy">
             <a:extLst>
               <a:ext uri="{FF2B5EF4-FFF2-40B4-BE49-F238E27FC236}">
-                <a16:creationId xmlns:a16="http://schemas.microsoft.com/office/drawing/2014/main" xmlns="" id="{7EAB4F95-FDE0-6834-5E7D-03DE080C3DC3}"/>
+                <a16:creationId xmlns:a16="http://schemas.microsoft.com/office/drawing/2014/main" id="{7EAB4F95-FDE0-6834-5E7D-03DE080C3DC3}"/>
               </a:ext>
             </a:extLst>
           </p:cNvPr>
@@ -6760,7 +6672,7 @@
           <p:cNvPr id="2064" name="Picture 16" descr="scikit-learn – Wikipédia, a enciclopédia livre">
             <a:extLst>
               <a:ext uri="{FF2B5EF4-FFF2-40B4-BE49-F238E27FC236}">
-                <a16:creationId xmlns:a16="http://schemas.microsoft.com/office/drawing/2014/main" xmlns="" id="{4DCCB2DA-192C-6143-B932-730DB43497C5}"/>
+                <a16:creationId xmlns:a16="http://schemas.microsoft.com/office/drawing/2014/main" id="{4DCCB2DA-192C-6143-B932-730DB43497C5}"/>
               </a:ext>
             </a:extLst>
           </p:cNvPr>
@@ -6807,7 +6719,7 @@
           <p:cNvPr id="2066" name="Picture 18" descr="Customising figures in Matplotlib">
             <a:extLst>
               <a:ext uri="{FF2B5EF4-FFF2-40B4-BE49-F238E27FC236}">
-                <a16:creationId xmlns:a16="http://schemas.microsoft.com/office/drawing/2014/main" xmlns="" id="{F3211FE7-2189-7EED-A346-6EC6D89B3B48}"/>
+                <a16:creationId xmlns:a16="http://schemas.microsoft.com/office/drawing/2014/main" id="{F3211FE7-2189-7EED-A346-6EC6D89B3B48}"/>
               </a:ext>
             </a:extLst>
           </p:cNvPr>
@@ -6854,7 +6766,7 @@
           <p:cNvPr id="2068" name="Picture 20" descr="GitHub - mwaskom/seaborn: Statistical data visualization in Python">
             <a:extLst>
               <a:ext uri="{FF2B5EF4-FFF2-40B4-BE49-F238E27FC236}">
-                <a16:creationId xmlns:a16="http://schemas.microsoft.com/office/drawing/2014/main" xmlns="" id="{45EF3399-EB7A-56BB-8320-695CAC8097EF}"/>
+                <a16:creationId xmlns:a16="http://schemas.microsoft.com/office/drawing/2014/main" id="{45EF3399-EB7A-56BB-8320-695CAC8097EF}"/>
               </a:ext>
             </a:extLst>
           </p:cNvPr>
@@ -6901,7 +6813,7 @@
           <p:cNvPr id="1026" name="Picture 2" descr="Sweetviz">
             <a:extLst>
               <a:ext uri="{FF2B5EF4-FFF2-40B4-BE49-F238E27FC236}">
-                <a16:creationId xmlns:a16="http://schemas.microsoft.com/office/drawing/2014/main" xmlns="" id="{0C3F2009-0A94-FA32-9039-802ED5A1F3BA}"/>
+                <a16:creationId xmlns:a16="http://schemas.microsoft.com/office/drawing/2014/main" id="{0C3F2009-0A94-FA32-9039-802ED5A1F3BA}"/>
               </a:ext>
             </a:extLst>
           </p:cNvPr>
@@ -6978,7 +6890,7 @@
           <p:cNvPr id="2" name="Title 1">
             <a:extLst>
               <a:ext uri="{FF2B5EF4-FFF2-40B4-BE49-F238E27FC236}">
-                <a16:creationId xmlns:a16="http://schemas.microsoft.com/office/drawing/2014/main" xmlns="" id="{F5675130-3293-C53E-210E-BAED4931934D}"/>
+                <a16:creationId xmlns:a16="http://schemas.microsoft.com/office/drawing/2014/main" id="{F5675130-3293-C53E-210E-BAED4931934D}"/>
               </a:ext>
             </a:extLst>
           </p:cNvPr>
@@ -7003,7 +6915,7 @@
           <p:cNvPr id="3" name="Content Placeholder 2">
             <a:extLst>
               <a:ext uri="{FF2B5EF4-FFF2-40B4-BE49-F238E27FC236}">
-                <a16:creationId xmlns:a16="http://schemas.microsoft.com/office/drawing/2014/main" xmlns="" id="{9DDE8029-A57D-C5B0-A292-D731A9D67034}"/>
+                <a16:creationId xmlns:a16="http://schemas.microsoft.com/office/drawing/2014/main" id="{9DDE8029-A57D-C5B0-A292-D731A9D67034}"/>
               </a:ext>
             </a:extLst>
           </p:cNvPr>
@@ -7069,10 +6981,9 @@
           <a:lstStyle/>
           <a:p>
             <a:r>
-              <a:rPr lang="pt-BR" dirty="0" smtClean="0"/>
+              <a:rPr lang="pt-BR" dirty="0"/>
               <a:t>Tipo dos dados</a:t>
             </a:r>
-            <a:endParaRPr lang="pt-BR" dirty="0"/>
           </a:p>
         </p:txBody>
       </p:sp>
@@ -7099,16 +7010,15 @@
           <a:lstStyle/>
           <a:p>
             <a:r>
-              <a:rPr lang="pt-BR" dirty="0" smtClean="0"/>
+              <a:rPr lang="pt-BR" dirty="0"/>
               <a:t>Antes de explorarmos os dados, precisamos entender a sua taxonomia.</a:t>
             </a:r>
           </a:p>
           <a:p>
             <a:r>
-              <a:rPr lang="pt-BR" dirty="0" smtClean="0"/>
+              <a:rPr lang="pt-BR" dirty="0"/>
               <a:t>As variáveis (i.e., atributos ou rótulos) podem ser classificadas da seguinte forma:</a:t>
             </a:r>
-            <a:endParaRPr lang="pt-BR" dirty="0"/>
           </a:p>
         </p:txBody>
       </p:sp>
@@ -7149,7 +7059,7 @@
             <a:lstStyle/>
             <a:p>
               <a:r>
-                <a:rPr lang="pt-BR" dirty="0" smtClean="0"/>
+                <a:rPr lang="pt-BR" dirty="0"/>
                 <a:t>Variável</a:t>
               </a:r>
             </a:p>
@@ -7178,7 +7088,7 @@
             <a:lstStyle/>
             <a:p>
               <a:r>
-                <a:rPr lang="pt-BR" dirty="0" smtClean="0"/>
+                <a:rPr lang="pt-BR" dirty="0"/>
                 <a:t>Qualitativa</a:t>
               </a:r>
             </a:p>
@@ -7207,7 +7117,7 @@
             <a:lstStyle/>
             <a:p>
               <a:r>
-                <a:rPr lang="pt-BR" dirty="0" smtClean="0"/>
+                <a:rPr lang="pt-BR" dirty="0"/>
                 <a:t>Quantitativa</a:t>
               </a:r>
             </a:p>
@@ -7236,7 +7146,7 @@
             <a:lstStyle/>
             <a:p>
               <a:r>
-                <a:rPr lang="pt-BR" dirty="0" smtClean="0"/>
+                <a:rPr lang="pt-BR" dirty="0"/>
                 <a:t>Nominal</a:t>
               </a:r>
             </a:p>
@@ -7265,7 +7175,7 @@
             <a:lstStyle/>
             <a:p>
               <a:r>
-                <a:rPr lang="pt-BR" dirty="0" smtClean="0"/>
+                <a:rPr lang="pt-BR" dirty="0"/>
                 <a:t>Ordinal</a:t>
               </a:r>
             </a:p>
@@ -7294,7 +7204,7 @@
             <a:lstStyle/>
             <a:p>
               <a:r>
-                <a:rPr lang="pt-BR" dirty="0" smtClean="0"/>
+                <a:rPr lang="pt-BR" dirty="0"/>
                 <a:t>Discreta</a:t>
               </a:r>
             </a:p>
@@ -7323,7 +7233,7 @@
             <a:lstStyle/>
             <a:p>
               <a:r>
-                <a:rPr lang="pt-BR" dirty="0" smtClean="0"/>
+                <a:rPr lang="pt-BR" dirty="0"/>
                 <a:t>Contínua</a:t>
               </a:r>
             </a:p>
@@ -7598,10 +7508,9 @@
           <a:lstStyle/>
           <a:p>
             <a:r>
-              <a:rPr lang="pt-BR" dirty="0" smtClean="0"/>
+              <a:rPr lang="pt-BR" dirty="0"/>
               <a:t>Tipo dos dados: variáveis qualitativas (categóricas)</a:t>
             </a:r>
-            <a:endParaRPr lang="pt-BR" dirty="0"/>
           </a:p>
         </p:txBody>
       </p:sp>
@@ -7617,8 +7526,8 @@
         </p:nvSpPr>
         <p:spPr>
           <a:xfrm>
-            <a:off x="5184714" y="1825624"/>
-            <a:ext cx="6802240" cy="5032375"/>
+            <a:off x="4615543" y="1825624"/>
+            <a:ext cx="7371411" cy="5032375"/>
           </a:xfrm>
         </p:spPr>
         <p:txBody>
@@ -7631,12 +7540,26 @@
               <a:buNone/>
             </a:pPr>
             <a:r>
-              <a:rPr lang="pt-BR" dirty="0" smtClean="0"/>
-              <a:t>São </a:t>
-            </a:r>
-            <a:r>
               <a:rPr lang="pt-BR" dirty="0"/>
-              <a:t>categorias, nomes ou rótulos. Elas descrevem uma qualidade.</a:t>
+              <a:t>São categorias, símbolos, nomes ou rótulos.</a:t>
+            </a:r>
+          </a:p>
+          <a:p>
+            <a:pPr marL="0" indent="0">
+              <a:buNone/>
+            </a:pPr>
+            <a:r>
+              <a:rPr lang="pt-BR" dirty="0"/>
+              <a:t>Elas descrevem uma qualidade.</a:t>
+            </a:r>
+          </a:p>
+          <a:p>
+            <a:pPr marL="0" indent="0">
+              <a:buNone/>
+            </a:pPr>
+            <a:r>
+              <a:rPr lang="pt-BR" dirty="0"/>
+              <a:t>Algumas podem ser ordenadas, mas operações aritméticas não são aplicáveis.</a:t>
             </a:r>
           </a:p>
           <a:p>
@@ -7655,12 +7578,8 @@
               <a:buChar char="§"/>
             </a:pPr>
             <a:r>
-              <a:rPr lang="pt-BR" dirty="0" smtClean="0"/>
-              <a:t>Exemplos: </a:t>
-            </a:r>
-            <a:r>
               <a:rPr lang="pt-BR" dirty="0"/>
-              <a:t>Sistemas Operacionais (Linux, Windows, </a:t>
+              <a:t>Exemplos: Sistemas Operacionais (Linux, Windows, </a:t>
             </a:r>
             <a:r>
               <a:rPr lang="pt-BR" dirty="0" err="1"/>
@@ -7687,462 +7606,59 @@
               <a:buChar char="§"/>
             </a:pPr>
             <a:r>
-              <a:rPr lang="pt-BR" dirty="0" smtClean="0"/>
-              <a:t>Exemplos: </a:t>
-            </a:r>
-            <a:r>
               <a:rPr lang="pt-BR" dirty="0"/>
-              <a:t>Nível de Senioridade (Junior, Pleno, Sênior), Planos de Assinatura (</a:t>
-            </a:r>
-            <a:r>
-              <a:rPr lang="pt-BR" dirty="0" err="1"/>
-              <a:t>Free</a:t>
-            </a:r>
-            <a:r>
-              <a:rPr lang="pt-BR" dirty="0"/>
-              <a:t>, Premium, Enterprise</a:t>
-            </a:r>
-            <a:r>
-              <a:rPr lang="pt-BR" dirty="0" smtClean="0"/>
-              <a:t>).</a:t>
-            </a:r>
-            <a:endParaRPr lang="pt-BR" dirty="0"/>
-          </a:p>
-        </p:txBody>
-      </p:sp>
-      <p:grpSp>
-        <p:nvGrpSpPr>
-          <p:cNvPr id="24" name="Grupo 23"/>
-          <p:cNvGrpSpPr/>
+              <a:t>Exemplos: Febre (baixa, média, alta), Nível de Senioridade (Junior, Pleno, Sênior), Planos de Assinatura (Free, Premium, Enterprise).</a:t>
+            </a:r>
+          </a:p>
+        </p:txBody>
+      </p:sp>
+      <p:pic>
+        <p:nvPicPr>
+          <p:cNvPr id="11" name="Picture 2" descr="Data Types in Data Science | Towards Data Science">
+            <a:extLst>
+              <a:ext uri="{FF2B5EF4-FFF2-40B4-BE49-F238E27FC236}">
+                <a16:creationId xmlns:a16="http://schemas.microsoft.com/office/drawing/2014/main" id="{39E1B175-32CE-F079-D61C-8CB4F7439663}"/>
+              </a:ext>
+            </a:extLst>
+          </p:cNvPr>
+          <p:cNvPicPr>
+            <a:picLocks noChangeAspect="1" noChangeArrowheads="1"/>
+          </p:cNvPicPr>
           <p:nvPr/>
-        </p:nvGrpSpPr>
-        <p:grpSpPr>
+        </p:nvPicPr>
+        <p:blipFill rotWithShape="1">
+          <a:blip r:embed="rId3">
+            <a:extLst>
+              <a:ext uri="{28A0092B-C50C-407E-A947-70E740481C1C}">
+                <a14:useLocalDpi xmlns:a14="http://schemas.microsoft.com/office/drawing/2010/main" val="0"/>
+              </a:ext>
+            </a:extLst>
+          </a:blip>
+          <a:srcRect l="2193"/>
+          <a:stretch>
+            <a:fillRect/>
+          </a:stretch>
+        </p:blipFill>
+        <p:spPr bwMode="auto">
           <a:xfrm>
-            <a:off x="465513" y="2719046"/>
-            <a:ext cx="4181495" cy="2794396"/>
-            <a:chOff x="249382" y="2602667"/>
-            <a:chExt cx="4181495" cy="2794396"/>
+            <a:off x="368143" y="2449286"/>
+            <a:ext cx="4044443" cy="3098656"/>
           </a:xfrm>
-        </p:grpSpPr>
-        <p:sp>
-          <p:nvSpPr>
-            <p:cNvPr id="4" name="CaixaDeTexto 3"/>
-            <p:cNvSpPr txBox="1"/>
-            <p:nvPr/>
-          </p:nvSpPr>
-          <p:spPr>
-            <a:xfrm>
-              <a:off x="249382" y="3816628"/>
-              <a:ext cx="923971" cy="369332"/>
-            </a:xfrm>
-            <a:prstGeom prst="rect">
-              <a:avLst/>
-            </a:prstGeom>
-            <a:noFill/>
-          </p:spPr>
-          <p:txBody>
-            <a:bodyPr wrap="none" rtlCol="0">
-              <a:spAutoFit/>
-            </a:bodyPr>
-            <a:lstStyle/>
-            <a:p>
-              <a:r>
-                <a:rPr lang="pt-BR" dirty="0" smtClean="0"/>
-                <a:t>Variável</a:t>
-              </a:r>
-            </a:p>
-          </p:txBody>
-        </p:sp>
-        <p:sp>
-          <p:nvSpPr>
-            <p:cNvPr id="5" name="CaixaDeTexto 4"/>
-            <p:cNvSpPr txBox="1"/>
-            <p:nvPr/>
-          </p:nvSpPr>
-          <p:spPr>
-            <a:xfrm>
-              <a:off x="1684710" y="3009481"/>
-              <a:ext cx="1202252" cy="369332"/>
-            </a:xfrm>
-            <a:prstGeom prst="rect">
-              <a:avLst/>
-            </a:prstGeom>
-            <a:noFill/>
-          </p:spPr>
-          <p:txBody>
-            <a:bodyPr wrap="none" rtlCol="0">
-              <a:spAutoFit/>
-            </a:bodyPr>
-            <a:lstStyle/>
-            <a:p>
-              <a:r>
-                <a:rPr lang="pt-BR" dirty="0" smtClean="0"/>
-                <a:t>Qualitativa</a:t>
-              </a:r>
-            </a:p>
-          </p:txBody>
-        </p:sp>
-        <p:sp>
-          <p:nvSpPr>
-            <p:cNvPr id="6" name="CaixaDeTexto 5"/>
-            <p:cNvSpPr txBox="1"/>
-            <p:nvPr/>
-          </p:nvSpPr>
-          <p:spPr>
-            <a:xfrm>
-              <a:off x="1684710" y="4622642"/>
-              <a:ext cx="1346010" cy="369332"/>
-            </a:xfrm>
-            <a:prstGeom prst="rect">
-              <a:avLst/>
-            </a:prstGeom>
-            <a:noFill/>
-          </p:spPr>
-          <p:txBody>
-            <a:bodyPr wrap="none" rtlCol="0">
-              <a:spAutoFit/>
-            </a:bodyPr>
-            <a:lstStyle/>
-            <a:p>
-              <a:r>
-                <a:rPr lang="pt-BR" dirty="0" smtClean="0"/>
-                <a:t>Quantitativa</a:t>
-              </a:r>
-            </a:p>
-          </p:txBody>
-        </p:sp>
-        <p:sp>
-          <p:nvSpPr>
-            <p:cNvPr id="7" name="CaixaDeTexto 6"/>
-            <p:cNvSpPr txBox="1"/>
-            <p:nvPr/>
-          </p:nvSpPr>
-          <p:spPr>
-            <a:xfrm>
-              <a:off x="3397132" y="2602667"/>
-              <a:ext cx="978153" cy="369332"/>
-            </a:xfrm>
-            <a:prstGeom prst="rect">
-              <a:avLst/>
-            </a:prstGeom>
-            <a:noFill/>
-          </p:spPr>
-          <p:txBody>
-            <a:bodyPr wrap="none" rtlCol="0">
-              <a:spAutoFit/>
-            </a:bodyPr>
-            <a:lstStyle/>
-            <a:p>
-              <a:r>
-                <a:rPr lang="pt-BR" dirty="0" smtClean="0"/>
-                <a:t>Nominal</a:t>
-              </a:r>
-            </a:p>
-          </p:txBody>
-        </p:sp>
-        <p:sp>
-          <p:nvSpPr>
-            <p:cNvPr id="8" name="CaixaDeTexto 7"/>
-            <p:cNvSpPr txBox="1"/>
-            <p:nvPr/>
-          </p:nvSpPr>
-          <p:spPr>
-            <a:xfrm>
-              <a:off x="3397132" y="3496617"/>
-              <a:ext cx="874022" cy="369332"/>
-            </a:xfrm>
-            <a:prstGeom prst="rect">
-              <a:avLst/>
-            </a:prstGeom>
-            <a:noFill/>
-          </p:spPr>
-          <p:txBody>
-            <a:bodyPr wrap="none" rtlCol="0">
-              <a:spAutoFit/>
-            </a:bodyPr>
-            <a:lstStyle/>
-            <a:p>
-              <a:r>
-                <a:rPr lang="pt-BR" dirty="0" smtClean="0"/>
-                <a:t>Ordinal</a:t>
-              </a:r>
-            </a:p>
-          </p:txBody>
-        </p:sp>
-        <p:sp>
-          <p:nvSpPr>
-            <p:cNvPr id="9" name="CaixaDeTexto 8"/>
-            <p:cNvSpPr txBox="1"/>
-            <p:nvPr/>
-          </p:nvSpPr>
-          <p:spPr>
-            <a:xfrm>
-              <a:off x="3397132" y="4196861"/>
-              <a:ext cx="943848" cy="369332"/>
-            </a:xfrm>
-            <a:prstGeom prst="rect">
-              <a:avLst/>
-            </a:prstGeom>
-            <a:noFill/>
-          </p:spPr>
-          <p:txBody>
-            <a:bodyPr wrap="none" rtlCol="0">
-              <a:spAutoFit/>
-            </a:bodyPr>
-            <a:lstStyle/>
-            <a:p>
-              <a:r>
-                <a:rPr lang="pt-BR" dirty="0" smtClean="0"/>
-                <a:t>Discreta</a:t>
-              </a:r>
-            </a:p>
-          </p:txBody>
-        </p:sp>
-        <p:sp>
-          <p:nvSpPr>
-            <p:cNvPr id="10" name="CaixaDeTexto 9"/>
-            <p:cNvSpPr txBox="1"/>
-            <p:nvPr/>
-          </p:nvSpPr>
-          <p:spPr>
-            <a:xfrm>
-              <a:off x="3397132" y="5027731"/>
-              <a:ext cx="1033745" cy="369332"/>
-            </a:xfrm>
-            <a:prstGeom prst="rect">
-              <a:avLst/>
-            </a:prstGeom>
-            <a:noFill/>
-          </p:spPr>
-          <p:txBody>
-            <a:bodyPr wrap="none" rtlCol="0">
-              <a:spAutoFit/>
-            </a:bodyPr>
-            <a:lstStyle/>
-            <a:p>
-              <a:r>
-                <a:rPr lang="pt-BR" dirty="0" smtClean="0"/>
-                <a:t>Contínua</a:t>
-              </a:r>
-            </a:p>
-          </p:txBody>
-        </p:sp>
-        <p:cxnSp>
-          <p:nvCxnSpPr>
-            <p:cNvPr id="12" name="Conector de seta reta 11"/>
-            <p:cNvCxnSpPr>
-              <a:stCxn id="4" idx="3"/>
-              <a:endCxn id="5" idx="1"/>
-            </p:cNvCxnSpPr>
-            <p:nvPr/>
-          </p:nvCxnSpPr>
-          <p:spPr>
-            <a:xfrm flipV="1">
-              <a:off x="1173353" y="3194147"/>
-              <a:ext cx="511357" cy="807147"/>
-            </a:xfrm>
-            <a:prstGeom prst="straightConnector1">
-              <a:avLst/>
-            </a:prstGeom>
-            <a:ln>
-              <a:tailEnd type="triangle"/>
-            </a:ln>
-          </p:spPr>
-          <p:style>
-            <a:lnRef idx="1">
-              <a:schemeClr val="accent1"/>
-            </a:lnRef>
-            <a:fillRef idx="0">
-              <a:schemeClr val="accent1"/>
-            </a:fillRef>
-            <a:effectRef idx="0">
-              <a:schemeClr val="accent1"/>
-            </a:effectRef>
-            <a:fontRef idx="minor">
-              <a:schemeClr val="tx1"/>
-            </a:fontRef>
-          </p:style>
-        </p:cxnSp>
-        <p:cxnSp>
-          <p:nvCxnSpPr>
-            <p:cNvPr id="14" name="Conector de seta reta 13"/>
-            <p:cNvCxnSpPr>
-              <a:stCxn id="4" idx="3"/>
-            </p:cNvCxnSpPr>
-            <p:nvPr/>
-          </p:nvCxnSpPr>
-          <p:spPr>
-            <a:xfrm>
-              <a:off x="1173353" y="4001294"/>
-              <a:ext cx="520501" cy="806014"/>
-            </a:xfrm>
-            <a:prstGeom prst="straightConnector1">
-              <a:avLst/>
-            </a:prstGeom>
-            <a:ln>
-              <a:tailEnd type="triangle"/>
-            </a:ln>
-          </p:spPr>
-          <p:style>
-            <a:lnRef idx="1">
-              <a:schemeClr val="accent1"/>
-            </a:lnRef>
-            <a:fillRef idx="0">
-              <a:schemeClr val="accent1"/>
-            </a:fillRef>
-            <a:effectRef idx="0">
-              <a:schemeClr val="accent1"/>
-            </a:effectRef>
-            <a:fontRef idx="minor">
-              <a:schemeClr val="tx1"/>
-            </a:fontRef>
-          </p:style>
-        </p:cxnSp>
-        <p:cxnSp>
-          <p:nvCxnSpPr>
-            <p:cNvPr id="16" name="Conector de seta reta 15"/>
-            <p:cNvCxnSpPr>
-              <a:stCxn id="5" idx="3"/>
-              <a:endCxn id="7" idx="1"/>
-            </p:cNvCxnSpPr>
-            <p:nvPr/>
-          </p:nvCxnSpPr>
-          <p:spPr>
-            <a:xfrm flipV="1">
-              <a:off x="2886962" y="2787333"/>
-              <a:ext cx="510170" cy="406814"/>
-            </a:xfrm>
-            <a:prstGeom prst="straightConnector1">
-              <a:avLst/>
-            </a:prstGeom>
-            <a:ln>
-              <a:tailEnd type="triangle"/>
-            </a:ln>
-          </p:spPr>
-          <p:style>
-            <a:lnRef idx="1">
-              <a:schemeClr val="accent1"/>
-            </a:lnRef>
-            <a:fillRef idx="0">
-              <a:schemeClr val="accent1"/>
-            </a:fillRef>
-            <a:effectRef idx="0">
-              <a:schemeClr val="accent1"/>
-            </a:effectRef>
-            <a:fontRef idx="minor">
-              <a:schemeClr val="tx1"/>
-            </a:fontRef>
-          </p:style>
-        </p:cxnSp>
-        <p:cxnSp>
-          <p:nvCxnSpPr>
-            <p:cNvPr id="18" name="Conector de seta reta 17"/>
-            <p:cNvCxnSpPr>
-              <a:stCxn id="5" idx="3"/>
-              <a:endCxn id="8" idx="1"/>
-            </p:cNvCxnSpPr>
-            <p:nvPr/>
-          </p:nvCxnSpPr>
-          <p:spPr>
-            <a:xfrm>
-              <a:off x="2886962" y="3194147"/>
-              <a:ext cx="510170" cy="487136"/>
-            </a:xfrm>
-            <a:prstGeom prst="straightConnector1">
-              <a:avLst/>
-            </a:prstGeom>
-            <a:ln>
-              <a:tailEnd type="triangle"/>
-            </a:ln>
-          </p:spPr>
-          <p:style>
-            <a:lnRef idx="1">
-              <a:schemeClr val="accent1"/>
-            </a:lnRef>
-            <a:fillRef idx="0">
-              <a:schemeClr val="accent1"/>
-            </a:fillRef>
-            <a:effectRef idx="0">
-              <a:schemeClr val="accent1"/>
-            </a:effectRef>
-            <a:fontRef idx="minor">
-              <a:schemeClr val="tx1"/>
-            </a:fontRef>
-          </p:style>
-        </p:cxnSp>
-        <p:cxnSp>
-          <p:nvCxnSpPr>
-            <p:cNvPr id="20" name="Conector de seta reta 19"/>
-            <p:cNvCxnSpPr>
-              <a:stCxn id="6" idx="3"/>
-              <a:endCxn id="9" idx="1"/>
-            </p:cNvCxnSpPr>
-            <p:nvPr/>
-          </p:nvCxnSpPr>
-          <p:spPr>
-            <a:xfrm flipV="1">
-              <a:off x="3030720" y="4381527"/>
-              <a:ext cx="366412" cy="425781"/>
-            </a:xfrm>
-            <a:prstGeom prst="straightConnector1">
-              <a:avLst/>
-            </a:prstGeom>
-            <a:ln>
-              <a:tailEnd type="triangle"/>
-            </a:ln>
-          </p:spPr>
-          <p:style>
-            <a:lnRef idx="1">
-              <a:schemeClr val="accent1"/>
-            </a:lnRef>
-            <a:fillRef idx="0">
-              <a:schemeClr val="accent1"/>
-            </a:fillRef>
-            <a:effectRef idx="0">
-              <a:schemeClr val="accent1"/>
-            </a:effectRef>
-            <a:fontRef idx="minor">
-              <a:schemeClr val="tx1"/>
-            </a:fontRef>
-          </p:style>
-        </p:cxnSp>
-        <p:cxnSp>
-          <p:nvCxnSpPr>
-            <p:cNvPr id="22" name="Conector de seta reta 21"/>
-            <p:cNvCxnSpPr>
-              <a:stCxn id="6" idx="3"/>
-              <a:endCxn id="10" idx="1"/>
-            </p:cNvCxnSpPr>
-            <p:nvPr/>
-          </p:nvCxnSpPr>
-          <p:spPr>
-            <a:xfrm>
-              <a:off x="3030720" y="4807308"/>
-              <a:ext cx="366412" cy="405089"/>
-            </a:xfrm>
-            <a:prstGeom prst="straightConnector1">
-              <a:avLst/>
-            </a:prstGeom>
-            <a:ln>
-              <a:tailEnd type="triangle"/>
-            </a:ln>
-          </p:spPr>
-          <p:style>
-            <a:lnRef idx="1">
-              <a:schemeClr val="accent1"/>
-            </a:lnRef>
-            <a:fillRef idx="0">
-              <a:schemeClr val="accent1"/>
-            </a:fillRef>
-            <a:effectRef idx="0">
-              <a:schemeClr val="accent1"/>
-            </a:effectRef>
-            <a:fontRef idx="minor">
-              <a:schemeClr val="tx1"/>
-            </a:fontRef>
-          </p:style>
-        </p:cxnSp>
-      </p:grpSp>
+          <a:prstGeom prst="rect">
+            <a:avLst/>
+          </a:prstGeom>
+          <a:noFill/>
+          <a:extLst>
+            <a:ext uri="{909E8E84-426E-40DD-AFC4-6F175D3DCCD1}">
+              <a14:hiddenFill xmlns:a14="http://schemas.microsoft.com/office/drawing/2010/main">
+                <a:solidFill>
+                  <a:srgbClr val="FFFFFF"/>
+                </a:solidFill>
+              </a14:hiddenFill>
+            </a:ext>
+          </a:extLst>
+        </p:spPr>
+      </p:pic>
     </p:spTree>
     <p:extLst>
       <p:ext uri="{BB962C8B-B14F-4D97-AF65-F5344CB8AC3E}">
@@ -8196,12 +7712,8 @@
           <a:lstStyle/>
           <a:p>
             <a:r>
-              <a:rPr lang="pt-BR" dirty="0" smtClean="0"/>
-              <a:t>Tipo dos dados: variáveis quantitativas (numéricas</a:t>
-            </a:r>
-            <a:r>
               <a:rPr lang="pt-BR" dirty="0"/>
-              <a:t>)</a:t>
+              <a:t>Tipo dos dados: variáveis quantitativas (numéricas)</a:t>
             </a:r>
           </a:p>
         </p:txBody>
@@ -8218,13 +7730,13 @@
         </p:nvSpPr>
         <p:spPr>
           <a:xfrm>
-            <a:off x="5184714" y="1825624"/>
-            <a:ext cx="6802240" cy="5032375"/>
+            <a:off x="4528457" y="1825624"/>
+            <a:ext cx="7458497" cy="5032375"/>
           </a:xfrm>
         </p:spPr>
         <p:txBody>
           <a:bodyPr>
-            <a:normAutofit/>
+            <a:normAutofit lnSpcReduction="10000"/>
           </a:bodyPr>
           <a:lstStyle/>
           <a:p>
@@ -8232,34 +7744,36 @@
               <a:buNone/>
             </a:pPr>
             <a:r>
-              <a:rPr lang="pt-BR" dirty="0" smtClean="0"/>
-              <a:t>São </a:t>
-            </a:r>
-            <a:r>
               <a:rPr lang="pt-BR" dirty="0"/>
-              <a:t>números </a:t>
-            </a:r>
-            <a:r>
-              <a:rPr lang="pt-BR" dirty="0" smtClean="0"/>
-              <a:t>reais.</a:t>
-            </a:r>
-          </a:p>
-          <a:p>
-            <a:r>
-              <a:rPr lang="pt-BR" b="1" dirty="0" smtClean="0"/>
-              <a:t>Discreta</a:t>
-            </a:r>
+              <a:t>São números reais. </a:t>
+            </a:r>
+          </a:p>
+          <a:p>
+            <a:pPr marL="0" indent="0">
+              <a:buNone/>
+            </a:pPr>
+            <a:r>
+              <a:rPr lang="pt-BR" dirty="0"/>
+              <a:t>Podem ser ordenados e usados em operações aritméticas (e.g., média, variância). </a:t>
+            </a:r>
+          </a:p>
+          <a:p>
+            <a:pPr marL="0" indent="0">
+              <a:buNone/>
+            </a:pPr>
+            <a:r>
+              <a:rPr lang="pt-BR" dirty="0"/>
+              <a:t>Possuem unidade de medida.</a:t>
+            </a:r>
+          </a:p>
+          <a:p>
             <a:r>
               <a:rPr lang="pt-BR" b="1" dirty="0"/>
-              <a:t>:</a:t>
+              <a:t>Discreta:</a:t>
             </a:r>
             <a:r>
               <a:rPr lang="pt-BR" dirty="0"/>
-              <a:t> Valores contáveis, geralmente números </a:t>
-            </a:r>
-            <a:r>
-              <a:rPr lang="pt-BR" dirty="0" smtClean="0"/>
-              <a:t>inteiros.</a:t>
+              <a:t> Valores contáveis, geralmente números inteiros.</a:t>
             </a:r>
           </a:p>
           <a:p>
@@ -8268,12 +7782,8 @@
               <a:buChar char="§"/>
             </a:pPr>
             <a:r>
-              <a:rPr lang="pt-BR" dirty="0" smtClean="0"/>
-              <a:t>Exemplos: </a:t>
-            </a:r>
-            <a:r>
               <a:rPr lang="pt-BR" dirty="0"/>
-              <a:t>Quantidade de núcleos da CPU, número de bugs abertos no </a:t>
+              <a:t>Exemplos: Quantidade de núcleos da CPU, número de bugs abertos no </a:t>
             </a:r>
             <a:r>
               <a:rPr lang="pt-BR" dirty="0" err="1"/>
@@ -8291,11 +7801,7 @@
             </a:r>
             <a:r>
               <a:rPr lang="pt-BR" dirty="0"/>
-              <a:t> Valores que podem assumir qualquer número dentro de um intervalo (aceitam decimais</a:t>
-            </a:r>
-            <a:r>
-              <a:rPr lang="pt-BR" dirty="0" smtClean="0"/>
-              <a:t>).</a:t>
+              <a:t> Valores que podem assumir qualquer número dentro de um intervalo.</a:t>
             </a:r>
           </a:p>
           <a:p>
@@ -8304,462 +7810,59 @@
               <a:buChar char="§"/>
             </a:pPr>
             <a:r>
-              <a:rPr lang="pt-BR" dirty="0" smtClean="0"/>
-              <a:t>Exemplos: </a:t>
-            </a:r>
-            <a:r>
               <a:rPr lang="pt-BR" dirty="0"/>
-              <a:t>Tempo de resposta de uma API (</a:t>
-            </a:r>
-            <a:r>
-              <a:rPr lang="pt-BR" dirty="0" err="1"/>
-              <a:t>ms</a:t>
-            </a:r>
-            <a:r>
-              <a:rPr lang="pt-BR" dirty="0"/>
-              <a:t>), latência de rede, tamanho de um arquivo em MB, temperatura do processador</a:t>
-            </a:r>
-            <a:r>
-              <a:rPr lang="pt-BR" dirty="0" smtClean="0"/>
-              <a:t>.</a:t>
-            </a:r>
-            <a:endParaRPr lang="pt-BR" dirty="0"/>
-          </a:p>
-        </p:txBody>
-      </p:sp>
-      <p:grpSp>
-        <p:nvGrpSpPr>
-          <p:cNvPr id="24" name="Grupo 23"/>
-          <p:cNvGrpSpPr/>
+              <a:t>Exemplos: Tempo de resposta de uma API, latência de rede, tamanho de um arquivo em MB, temperatura do processador.</a:t>
+            </a:r>
+          </a:p>
+        </p:txBody>
+      </p:sp>
+      <p:pic>
+        <p:nvPicPr>
+          <p:cNvPr id="11" name="Picture 2" descr="Data Types in Data Science | Towards Data Science">
+            <a:extLst>
+              <a:ext uri="{FF2B5EF4-FFF2-40B4-BE49-F238E27FC236}">
+                <a16:creationId xmlns:a16="http://schemas.microsoft.com/office/drawing/2014/main" id="{CEBF5479-3F8E-21EE-0D34-F0A03BFB7122}"/>
+              </a:ext>
+            </a:extLst>
+          </p:cNvPr>
+          <p:cNvPicPr>
+            <a:picLocks noChangeAspect="1" noChangeArrowheads="1"/>
+          </p:cNvPicPr>
           <p:nvPr/>
-        </p:nvGrpSpPr>
-        <p:grpSpPr>
+        </p:nvPicPr>
+        <p:blipFill rotWithShape="1">
+          <a:blip r:embed="rId3">
+            <a:extLst>
+              <a:ext uri="{28A0092B-C50C-407E-A947-70E740481C1C}">
+                <a14:useLocalDpi xmlns:a14="http://schemas.microsoft.com/office/drawing/2010/main" val="0"/>
+              </a:ext>
+            </a:extLst>
+          </a:blip>
+          <a:srcRect l="2193"/>
+          <a:stretch>
+            <a:fillRect/>
+          </a:stretch>
+        </p:blipFill>
+        <p:spPr bwMode="auto">
           <a:xfrm>
-            <a:off x="465513" y="2719046"/>
-            <a:ext cx="4181495" cy="2794396"/>
-            <a:chOff x="249382" y="2602667"/>
-            <a:chExt cx="4181495" cy="2794396"/>
+            <a:off x="368143" y="2449286"/>
+            <a:ext cx="4044443" cy="3098656"/>
           </a:xfrm>
-        </p:grpSpPr>
-        <p:sp>
-          <p:nvSpPr>
-            <p:cNvPr id="4" name="CaixaDeTexto 3"/>
-            <p:cNvSpPr txBox="1"/>
-            <p:nvPr/>
-          </p:nvSpPr>
-          <p:spPr>
-            <a:xfrm>
-              <a:off x="249382" y="3816628"/>
-              <a:ext cx="923971" cy="369332"/>
-            </a:xfrm>
-            <a:prstGeom prst="rect">
-              <a:avLst/>
-            </a:prstGeom>
-            <a:noFill/>
-          </p:spPr>
-          <p:txBody>
-            <a:bodyPr wrap="none" rtlCol="0">
-              <a:spAutoFit/>
-            </a:bodyPr>
-            <a:lstStyle/>
-            <a:p>
-              <a:r>
-                <a:rPr lang="pt-BR" dirty="0" smtClean="0"/>
-                <a:t>Variável</a:t>
-              </a:r>
-            </a:p>
-          </p:txBody>
-        </p:sp>
-        <p:sp>
-          <p:nvSpPr>
-            <p:cNvPr id="5" name="CaixaDeTexto 4"/>
-            <p:cNvSpPr txBox="1"/>
-            <p:nvPr/>
-          </p:nvSpPr>
-          <p:spPr>
-            <a:xfrm>
-              <a:off x="1684710" y="3009481"/>
-              <a:ext cx="1202252" cy="369332"/>
-            </a:xfrm>
-            <a:prstGeom prst="rect">
-              <a:avLst/>
-            </a:prstGeom>
-            <a:noFill/>
-          </p:spPr>
-          <p:txBody>
-            <a:bodyPr wrap="none" rtlCol="0">
-              <a:spAutoFit/>
-            </a:bodyPr>
-            <a:lstStyle/>
-            <a:p>
-              <a:r>
-                <a:rPr lang="pt-BR" dirty="0" smtClean="0"/>
-                <a:t>Qualitativa</a:t>
-              </a:r>
-            </a:p>
-          </p:txBody>
-        </p:sp>
-        <p:sp>
-          <p:nvSpPr>
-            <p:cNvPr id="6" name="CaixaDeTexto 5"/>
-            <p:cNvSpPr txBox="1"/>
-            <p:nvPr/>
-          </p:nvSpPr>
-          <p:spPr>
-            <a:xfrm>
-              <a:off x="1684710" y="4622642"/>
-              <a:ext cx="1346010" cy="369332"/>
-            </a:xfrm>
-            <a:prstGeom prst="rect">
-              <a:avLst/>
-            </a:prstGeom>
-            <a:noFill/>
-          </p:spPr>
-          <p:txBody>
-            <a:bodyPr wrap="none" rtlCol="0">
-              <a:spAutoFit/>
-            </a:bodyPr>
-            <a:lstStyle/>
-            <a:p>
-              <a:r>
-                <a:rPr lang="pt-BR" dirty="0" smtClean="0"/>
-                <a:t>Quantitativa</a:t>
-              </a:r>
-            </a:p>
-          </p:txBody>
-        </p:sp>
-        <p:sp>
-          <p:nvSpPr>
-            <p:cNvPr id="7" name="CaixaDeTexto 6"/>
-            <p:cNvSpPr txBox="1"/>
-            <p:nvPr/>
-          </p:nvSpPr>
-          <p:spPr>
-            <a:xfrm>
-              <a:off x="3397132" y="2602667"/>
-              <a:ext cx="978153" cy="369332"/>
-            </a:xfrm>
-            <a:prstGeom prst="rect">
-              <a:avLst/>
-            </a:prstGeom>
-            <a:noFill/>
-          </p:spPr>
-          <p:txBody>
-            <a:bodyPr wrap="none" rtlCol="0">
-              <a:spAutoFit/>
-            </a:bodyPr>
-            <a:lstStyle/>
-            <a:p>
-              <a:r>
-                <a:rPr lang="pt-BR" dirty="0" smtClean="0"/>
-                <a:t>Nominal</a:t>
-              </a:r>
-            </a:p>
-          </p:txBody>
-        </p:sp>
-        <p:sp>
-          <p:nvSpPr>
-            <p:cNvPr id="8" name="CaixaDeTexto 7"/>
-            <p:cNvSpPr txBox="1"/>
-            <p:nvPr/>
-          </p:nvSpPr>
-          <p:spPr>
-            <a:xfrm>
-              <a:off x="3397132" y="3496617"/>
-              <a:ext cx="874022" cy="369332"/>
-            </a:xfrm>
-            <a:prstGeom prst="rect">
-              <a:avLst/>
-            </a:prstGeom>
-            <a:noFill/>
-          </p:spPr>
-          <p:txBody>
-            <a:bodyPr wrap="none" rtlCol="0">
-              <a:spAutoFit/>
-            </a:bodyPr>
-            <a:lstStyle/>
-            <a:p>
-              <a:r>
-                <a:rPr lang="pt-BR" dirty="0" smtClean="0"/>
-                <a:t>Ordinal</a:t>
-              </a:r>
-            </a:p>
-          </p:txBody>
-        </p:sp>
-        <p:sp>
-          <p:nvSpPr>
-            <p:cNvPr id="9" name="CaixaDeTexto 8"/>
-            <p:cNvSpPr txBox="1"/>
-            <p:nvPr/>
-          </p:nvSpPr>
-          <p:spPr>
-            <a:xfrm>
-              <a:off x="3397132" y="4196861"/>
-              <a:ext cx="943848" cy="369332"/>
-            </a:xfrm>
-            <a:prstGeom prst="rect">
-              <a:avLst/>
-            </a:prstGeom>
-            <a:noFill/>
-          </p:spPr>
-          <p:txBody>
-            <a:bodyPr wrap="none" rtlCol="0">
-              <a:spAutoFit/>
-            </a:bodyPr>
-            <a:lstStyle/>
-            <a:p>
-              <a:r>
-                <a:rPr lang="pt-BR" dirty="0" smtClean="0"/>
-                <a:t>Discreta</a:t>
-              </a:r>
-            </a:p>
-          </p:txBody>
-        </p:sp>
-        <p:sp>
-          <p:nvSpPr>
-            <p:cNvPr id="10" name="CaixaDeTexto 9"/>
-            <p:cNvSpPr txBox="1"/>
-            <p:nvPr/>
-          </p:nvSpPr>
-          <p:spPr>
-            <a:xfrm>
-              <a:off x="3397132" y="5027731"/>
-              <a:ext cx="1033745" cy="369332"/>
-            </a:xfrm>
-            <a:prstGeom prst="rect">
-              <a:avLst/>
-            </a:prstGeom>
-            <a:noFill/>
-          </p:spPr>
-          <p:txBody>
-            <a:bodyPr wrap="none" rtlCol="0">
-              <a:spAutoFit/>
-            </a:bodyPr>
-            <a:lstStyle/>
-            <a:p>
-              <a:r>
-                <a:rPr lang="pt-BR" dirty="0" smtClean="0"/>
-                <a:t>Contínua</a:t>
-              </a:r>
-            </a:p>
-          </p:txBody>
-        </p:sp>
-        <p:cxnSp>
-          <p:nvCxnSpPr>
-            <p:cNvPr id="12" name="Conector de seta reta 11"/>
-            <p:cNvCxnSpPr>
-              <a:stCxn id="4" idx="3"/>
-              <a:endCxn id="5" idx="1"/>
-            </p:cNvCxnSpPr>
-            <p:nvPr/>
-          </p:nvCxnSpPr>
-          <p:spPr>
-            <a:xfrm flipV="1">
-              <a:off x="1173353" y="3194147"/>
-              <a:ext cx="511357" cy="807147"/>
-            </a:xfrm>
-            <a:prstGeom prst="straightConnector1">
-              <a:avLst/>
-            </a:prstGeom>
-            <a:ln>
-              <a:tailEnd type="triangle"/>
-            </a:ln>
-          </p:spPr>
-          <p:style>
-            <a:lnRef idx="1">
-              <a:schemeClr val="accent1"/>
-            </a:lnRef>
-            <a:fillRef idx="0">
-              <a:schemeClr val="accent1"/>
-            </a:fillRef>
-            <a:effectRef idx="0">
-              <a:schemeClr val="accent1"/>
-            </a:effectRef>
-            <a:fontRef idx="minor">
-              <a:schemeClr val="tx1"/>
-            </a:fontRef>
-          </p:style>
-        </p:cxnSp>
-        <p:cxnSp>
-          <p:nvCxnSpPr>
-            <p:cNvPr id="14" name="Conector de seta reta 13"/>
-            <p:cNvCxnSpPr>
-              <a:stCxn id="4" idx="3"/>
-            </p:cNvCxnSpPr>
-            <p:nvPr/>
-          </p:nvCxnSpPr>
-          <p:spPr>
-            <a:xfrm>
-              <a:off x="1173353" y="4001294"/>
-              <a:ext cx="520501" cy="806014"/>
-            </a:xfrm>
-            <a:prstGeom prst="straightConnector1">
-              <a:avLst/>
-            </a:prstGeom>
-            <a:ln>
-              <a:tailEnd type="triangle"/>
-            </a:ln>
-          </p:spPr>
-          <p:style>
-            <a:lnRef idx="1">
-              <a:schemeClr val="accent1"/>
-            </a:lnRef>
-            <a:fillRef idx="0">
-              <a:schemeClr val="accent1"/>
-            </a:fillRef>
-            <a:effectRef idx="0">
-              <a:schemeClr val="accent1"/>
-            </a:effectRef>
-            <a:fontRef idx="minor">
-              <a:schemeClr val="tx1"/>
-            </a:fontRef>
-          </p:style>
-        </p:cxnSp>
-        <p:cxnSp>
-          <p:nvCxnSpPr>
-            <p:cNvPr id="16" name="Conector de seta reta 15"/>
-            <p:cNvCxnSpPr>
-              <a:stCxn id="5" idx="3"/>
-              <a:endCxn id="7" idx="1"/>
-            </p:cNvCxnSpPr>
-            <p:nvPr/>
-          </p:nvCxnSpPr>
-          <p:spPr>
-            <a:xfrm flipV="1">
-              <a:off x="2886962" y="2787333"/>
-              <a:ext cx="510170" cy="406814"/>
-            </a:xfrm>
-            <a:prstGeom prst="straightConnector1">
-              <a:avLst/>
-            </a:prstGeom>
-            <a:ln>
-              <a:tailEnd type="triangle"/>
-            </a:ln>
-          </p:spPr>
-          <p:style>
-            <a:lnRef idx="1">
-              <a:schemeClr val="accent1"/>
-            </a:lnRef>
-            <a:fillRef idx="0">
-              <a:schemeClr val="accent1"/>
-            </a:fillRef>
-            <a:effectRef idx="0">
-              <a:schemeClr val="accent1"/>
-            </a:effectRef>
-            <a:fontRef idx="minor">
-              <a:schemeClr val="tx1"/>
-            </a:fontRef>
-          </p:style>
-        </p:cxnSp>
-        <p:cxnSp>
-          <p:nvCxnSpPr>
-            <p:cNvPr id="18" name="Conector de seta reta 17"/>
-            <p:cNvCxnSpPr>
-              <a:stCxn id="5" idx="3"/>
-              <a:endCxn id="8" idx="1"/>
-            </p:cNvCxnSpPr>
-            <p:nvPr/>
-          </p:nvCxnSpPr>
-          <p:spPr>
-            <a:xfrm>
-              <a:off x="2886962" y="3194147"/>
-              <a:ext cx="510170" cy="487136"/>
-            </a:xfrm>
-            <a:prstGeom prst="straightConnector1">
-              <a:avLst/>
-            </a:prstGeom>
-            <a:ln>
-              <a:tailEnd type="triangle"/>
-            </a:ln>
-          </p:spPr>
-          <p:style>
-            <a:lnRef idx="1">
-              <a:schemeClr val="accent1"/>
-            </a:lnRef>
-            <a:fillRef idx="0">
-              <a:schemeClr val="accent1"/>
-            </a:fillRef>
-            <a:effectRef idx="0">
-              <a:schemeClr val="accent1"/>
-            </a:effectRef>
-            <a:fontRef idx="minor">
-              <a:schemeClr val="tx1"/>
-            </a:fontRef>
-          </p:style>
-        </p:cxnSp>
-        <p:cxnSp>
-          <p:nvCxnSpPr>
-            <p:cNvPr id="20" name="Conector de seta reta 19"/>
-            <p:cNvCxnSpPr>
-              <a:stCxn id="6" idx="3"/>
-              <a:endCxn id="9" idx="1"/>
-            </p:cNvCxnSpPr>
-            <p:nvPr/>
-          </p:nvCxnSpPr>
-          <p:spPr>
-            <a:xfrm flipV="1">
-              <a:off x="3030720" y="4381527"/>
-              <a:ext cx="366412" cy="425781"/>
-            </a:xfrm>
-            <a:prstGeom prst="straightConnector1">
-              <a:avLst/>
-            </a:prstGeom>
-            <a:ln>
-              <a:tailEnd type="triangle"/>
-            </a:ln>
-          </p:spPr>
-          <p:style>
-            <a:lnRef idx="1">
-              <a:schemeClr val="accent1"/>
-            </a:lnRef>
-            <a:fillRef idx="0">
-              <a:schemeClr val="accent1"/>
-            </a:fillRef>
-            <a:effectRef idx="0">
-              <a:schemeClr val="accent1"/>
-            </a:effectRef>
-            <a:fontRef idx="minor">
-              <a:schemeClr val="tx1"/>
-            </a:fontRef>
-          </p:style>
-        </p:cxnSp>
-        <p:cxnSp>
-          <p:nvCxnSpPr>
-            <p:cNvPr id="22" name="Conector de seta reta 21"/>
-            <p:cNvCxnSpPr>
-              <a:stCxn id="6" idx="3"/>
-              <a:endCxn id="10" idx="1"/>
-            </p:cNvCxnSpPr>
-            <p:nvPr/>
-          </p:nvCxnSpPr>
-          <p:spPr>
-            <a:xfrm>
-              <a:off x="3030720" y="4807308"/>
-              <a:ext cx="366412" cy="405089"/>
-            </a:xfrm>
-            <a:prstGeom prst="straightConnector1">
-              <a:avLst/>
-            </a:prstGeom>
-            <a:ln>
-              <a:tailEnd type="triangle"/>
-            </a:ln>
-          </p:spPr>
-          <p:style>
-            <a:lnRef idx="1">
-              <a:schemeClr val="accent1"/>
-            </a:lnRef>
-            <a:fillRef idx="0">
-              <a:schemeClr val="accent1"/>
-            </a:fillRef>
-            <a:effectRef idx="0">
-              <a:schemeClr val="accent1"/>
-            </a:effectRef>
-            <a:fontRef idx="minor">
-              <a:schemeClr val="tx1"/>
-            </a:fontRef>
-          </p:style>
-        </p:cxnSp>
-      </p:grpSp>
+          <a:prstGeom prst="rect">
+            <a:avLst/>
+          </a:prstGeom>
+          <a:noFill/>
+          <a:extLst>
+            <a:ext uri="{909E8E84-426E-40DD-AFC4-6F175D3DCCD1}">
+              <a14:hiddenFill xmlns:a14="http://schemas.microsoft.com/office/drawing/2010/main">
+                <a:solidFill>
+                  <a:srgbClr val="FFFFFF"/>
+                </a:solidFill>
+              </a14:hiddenFill>
+            </a:ext>
+          </a:extLst>
+        </p:spPr>
+      </p:pic>
     </p:spTree>
     <p:extLst>
       <p:ext uri="{BB962C8B-B14F-4D97-AF65-F5344CB8AC3E}">

--- a/slides/C24_EDA.pptx
+++ b/slides/C24_EDA.pptx
@@ -16,16 +16,16 @@
     <p:sldId id="307" r:id="rId4"/>
     <p:sldId id="318" r:id="rId5"/>
     <p:sldId id="317" r:id="rId6"/>
-    <p:sldId id="325" r:id="rId7"/>
-    <p:sldId id="326" r:id="rId8"/>
-    <p:sldId id="327" r:id="rId9"/>
-    <p:sldId id="328" r:id="rId10"/>
+    <p:sldId id="326" r:id="rId7"/>
+    <p:sldId id="327" r:id="rId8"/>
+    <p:sldId id="328" r:id="rId9"/>
+    <p:sldId id="325" r:id="rId10"/>
     <p:sldId id="320" r:id="rId11"/>
     <p:sldId id="321" r:id="rId12"/>
     <p:sldId id="322" r:id="rId13"/>
     <p:sldId id="323" r:id="rId14"/>
     <p:sldId id="324" r:id="rId15"/>
-    <p:sldId id="319" r:id="rId16"/>
+    <p:sldId id="329" r:id="rId16"/>
     <p:sldId id="308" r:id="rId17"/>
     <p:sldId id="316" r:id="rId18"/>
     <p:sldId id="293" r:id="rId19"/>
@@ -988,7 +988,7 @@
           <a:p>
             <a:fld id="{6FC8D850-966F-45A6-8DE7-15B891E7D40D}" type="slidenum">
               <a:rPr lang="pt-BR" smtClean="0"/>
-              <a:t>7</a:t>
+              <a:t>6</a:t>
             </a:fld>
             <a:endParaRPr lang="pt-BR"/>
           </a:p>
@@ -1072,7 +1072,7 @@
           <a:p>
             <a:fld id="{6FC8D850-966F-45A6-8DE7-15B891E7D40D}" type="slidenum">
               <a:rPr lang="pt-BR" smtClean="0"/>
-              <a:t>8</a:t>
+              <a:t>7</a:t>
             </a:fld>
             <a:endParaRPr lang="pt-BR"/>
           </a:p>
@@ -1156,7 +1156,7 @@
           <a:p>
             <a:fld id="{6FC8D850-966F-45A6-8DE7-15B891E7D40D}" type="slidenum">
               <a:rPr lang="pt-BR" smtClean="0"/>
-              <a:t>9</a:t>
+              <a:t>8</a:t>
             </a:fld>
             <a:endParaRPr lang="pt-BR"/>
           </a:p>
@@ -1166,90 +1166,6 @@
     <p:extLst>
       <p:ext uri="{BB962C8B-B14F-4D97-AF65-F5344CB8AC3E}">
         <p14:creationId xmlns:p14="http://schemas.microsoft.com/office/powerpoint/2010/main" val="3432622944"/>
-      </p:ext>
-    </p:extLst>
-  </p:cSld>
-  <p:clrMapOvr>
-    <a:masterClrMapping/>
-  </p:clrMapOvr>
-</p:notes>
-</file>
-
-<file path=ppt/notesSlides/notesSlide6.xml><?xml version="1.0" encoding="utf-8"?>
-<p:notes xmlns:a="http://schemas.openxmlformats.org/drawingml/2006/main" xmlns:r="http://schemas.openxmlformats.org/officeDocument/2006/relationships" xmlns:p="http://schemas.openxmlformats.org/presentationml/2006/main">
-  <p:cSld>
-    <p:spTree>
-      <p:nvGrpSpPr>
-        <p:cNvPr id="1" name=""/>
-        <p:cNvGrpSpPr/>
-        <p:nvPr/>
-      </p:nvGrpSpPr>
-      <p:grpSpPr>
-        <a:xfrm>
-          <a:off x="0" y="0"/>
-          <a:ext cx="0" cy="0"/>
-          <a:chOff x="0" y="0"/>
-          <a:chExt cx="0" cy="0"/>
-        </a:xfrm>
-      </p:grpSpPr>
-      <p:sp>
-        <p:nvSpPr>
-          <p:cNvPr id="2" name="Slide Image Placeholder 1"/>
-          <p:cNvSpPr>
-            <a:spLocks noGrp="1" noRot="1" noChangeAspect="1"/>
-          </p:cNvSpPr>
-          <p:nvPr>
-            <p:ph type="sldImg"/>
-          </p:nvPr>
-        </p:nvSpPr>
-        <p:spPr/>
-      </p:sp>
-      <p:sp>
-        <p:nvSpPr>
-          <p:cNvPr id="3" name="Notes Placeholder 2"/>
-          <p:cNvSpPr>
-            <a:spLocks noGrp="1"/>
-          </p:cNvSpPr>
-          <p:nvPr>
-            <p:ph type="body" idx="1"/>
-          </p:nvPr>
-        </p:nvSpPr>
-        <p:spPr/>
-        <p:txBody>
-          <a:bodyPr/>
-          <a:lstStyle/>
-          <a:p>
-            <a:endParaRPr lang="en-US" dirty="0"/>
-          </a:p>
-        </p:txBody>
-      </p:sp>
-      <p:sp>
-        <p:nvSpPr>
-          <p:cNvPr id="4" name="Slide Number Placeholder 3"/>
-          <p:cNvSpPr>
-            <a:spLocks noGrp="1"/>
-          </p:cNvSpPr>
-          <p:nvPr>
-            <p:ph type="sldNum" sz="quarter" idx="5"/>
-          </p:nvPr>
-        </p:nvSpPr>
-        <p:spPr/>
-        <p:txBody>
-          <a:bodyPr/>
-          <a:lstStyle/>
-          <a:p>
-            <a:fld id="{6FC8D850-966F-45A6-8DE7-15B891E7D40D}" type="slidenum">
-              <a:rPr lang="pt-BR" smtClean="0"/>
-              <a:t>15</a:t>
-            </a:fld>
-            <a:endParaRPr lang="pt-BR"/>
-          </a:p>
-        </p:txBody>
-      </p:sp>
-    </p:spTree>
-    <p:extLst>
-      <p:ext uri="{BB962C8B-B14F-4D97-AF65-F5344CB8AC3E}">
-        <p14:creationId xmlns:p14="http://schemas.microsoft.com/office/powerpoint/2010/main" val="2720310809"/>
       </p:ext>
     </p:extLst>
   </p:cSld>
@@ -4713,7 +4629,10 @@
               <a:rPr lang="en-US" dirty="0" err="1"/>
               <a:t>inicial</a:t>
             </a:r>
-            <a:endParaRPr lang="en-US" dirty="0"/>
+            <a:r>
+              <a:rPr lang="en-US" dirty="0"/>
+              <a:t> dos dados</a:t>
+            </a:r>
           </a:p>
         </p:txBody>
       </p:sp>
@@ -4733,26 +4652,95 @@
             <p:ph idx="1"/>
           </p:nvPr>
         </p:nvSpPr>
-        <p:spPr/>
-        <p:txBody>
-          <a:bodyPr/>
-          <a:lstStyle/>
-          <a:p>
+        <p:spPr>
+          <a:xfrm>
+            <a:off x="838199" y="1825624"/>
+            <a:ext cx="11103429" cy="5032375"/>
+          </a:xfrm>
+        </p:spPr>
+        <p:txBody>
+          <a:bodyPr>
+            <a:normAutofit/>
+          </a:bodyPr>
+          <a:lstStyle/>
+          <a:p>
+            <a:pPr marL="0" indent="0">
+              <a:buNone/>
+            </a:pPr>
             <a:r>
               <a:rPr lang="pt-BR" dirty="0"/>
-              <a:t>Shape dos dados (linhas x colunas)</a:t>
-            </a:r>
-          </a:p>
-          <a:p>
+              <a:t>Inicialmente, verificamos algumas informações básicas dos dados.</a:t>
+            </a:r>
+          </a:p>
+          <a:p>
+            <a:pPr marL="0" indent="0">
+              <a:buNone/>
+            </a:pPr>
             <a:r>
               <a:rPr lang="pt-BR" dirty="0"/>
-              <a:t>Tipos de dados (numéricos, categóricos…)</a:t>
-            </a:r>
-          </a:p>
-          <a:p>
+              <a:t>Para tal, após carregarmos os dados, usamos atributos e métodos da biblioteca </a:t>
+            </a:r>
+            <a:r>
+              <a:rPr lang="pt-BR" b="1" dirty="0"/>
+              <a:t>pandas</a:t>
+            </a:r>
             <a:r>
               <a:rPr lang="pt-BR" dirty="0"/>
-              <a:t>Estatísticas básicas (média, mediana, desvio…)</a:t>
+              <a:t>.</a:t>
+            </a:r>
+          </a:p>
+          <a:p>
+            <a:r>
+              <a:rPr lang="pt-BR" dirty="0"/>
+              <a:t>Dimensão dos dados: linhas x colunas</a:t>
+            </a:r>
+          </a:p>
+          <a:p>
+            <a:pPr lvl="1">
+              <a:buFont typeface="Wingdings" panose="05000000000000000000" pitchFamily="2" charset="2"/>
+              <a:buChar char="§"/>
+            </a:pPr>
+            <a:r>
+              <a:rPr lang="en-US" dirty="0" err="1"/>
+              <a:t>df.shape</a:t>
+            </a:r>
+            <a:endParaRPr lang="pt-BR" dirty="0"/>
+          </a:p>
+          <a:p>
+            <a:r>
+              <a:rPr lang="pt-BR" dirty="0"/>
+              <a:t>Tipos de dados: numéricos, categóricos, etc.</a:t>
+            </a:r>
+          </a:p>
+          <a:p>
+            <a:pPr lvl="1">
+              <a:buFont typeface="Wingdings" panose="05000000000000000000" pitchFamily="2" charset="2"/>
+              <a:buChar char="§"/>
+            </a:pPr>
+            <a:r>
+              <a:rPr lang="en-US" dirty="0" err="1"/>
+              <a:t>df.dtypes</a:t>
+            </a:r>
+            <a:endParaRPr lang="pt-BR" dirty="0"/>
+          </a:p>
+          <a:p>
+            <a:r>
+              <a:rPr lang="pt-BR" dirty="0"/>
+              <a:t>Estatísticas básicas: média, mediana, desvio padrão, etc.</a:t>
+            </a:r>
+          </a:p>
+          <a:p>
+            <a:pPr lvl="1">
+              <a:buFont typeface="Wingdings" panose="05000000000000000000" pitchFamily="2" charset="2"/>
+              <a:buChar char="§"/>
+            </a:pPr>
+            <a:r>
+              <a:rPr lang="en-US" dirty="0" err="1"/>
+              <a:t>df.describe</a:t>
+            </a:r>
+            <a:r>
+              <a:rPr lang="en-US"/>
+              <a:t>()</a:t>
             </a:r>
             <a:endParaRPr lang="en-US" dirty="0"/>
           </a:p>
@@ -4845,12 +4833,23 @@
               <a:rPr lang="pt-BR" dirty="0"/>
               <a:t>Problemas comuns:</a:t>
             </a:r>
-            <a:br>
-              <a:rPr lang="pt-BR" dirty="0"/>
-            </a:br>
+          </a:p>
+          <a:p>
+            <a:pPr marL="0" indent="0">
+              <a:buNone/>
+            </a:pPr>
             <a:r>
               <a:rPr lang="pt-BR" dirty="0"/>
               <a:t>❌ Valores faltantes</a:t>
+            </a:r>
+          </a:p>
+          <a:p>
+            <a:pPr marL="0" indent="0">
+              <a:buNone/>
+            </a:pPr>
+            <a:r>
+              <a:rPr lang="pt-BR" dirty="0"/>
+              <a:t>❌ Valores irrelevantes</a:t>
             </a:r>
             <a:br>
               <a:rPr lang="pt-BR" dirty="0"/>
@@ -4974,6 +4973,24 @@
           <a:lstStyle/>
           <a:p>
             <a:r>
+              <a:rPr lang="pt-BR" b="1" dirty="0"/>
+              <a:t>Tratamento de valores ausentes:</a:t>
+            </a:r>
+            <a:r>
+              <a:rPr lang="pt-BR" dirty="0"/>
+              <a:t> remover </a:t>
+            </a:r>
+            <a:r>
+              <a:rPr lang="pt-BR" dirty="0" err="1"/>
+              <a:t>vs</a:t>
+            </a:r>
+            <a:r>
+              <a:rPr lang="pt-BR" dirty="0"/>
+              <a:t> imputar.</a:t>
+            </a:r>
+          </a:p>
+          <a:p>
+            <a:r>
               <a:rPr lang="pt-BR" dirty="0"/>
               <a:t>Técnicas:</a:t>
             </a:r>
@@ -4993,11 +5010,31 @@
             </a:r>
           </a:p>
           <a:p>
+            <a:pPr lvl="2">
+              <a:buFont typeface="Wingdings" panose="05000000000000000000" pitchFamily="2" charset="2"/>
+              <a:buChar char="§"/>
+            </a:pPr>
+            <a:r>
+              <a:rPr lang="pt-BR" dirty="0"/>
+              <a:t>O que são a média, moda e mediana?</a:t>
+            </a:r>
+          </a:p>
+          <a:p>
             <a:pPr lvl="1"/>
             <a:r>
               <a:rPr lang="pt-BR" dirty="0"/>
               <a:t>Preenchimento inteligente (KNN, regressão)</a:t>
             </a:r>
+          </a:p>
+          <a:p>
+            <a:pPr marL="0" indent="0">
+              <a:buNone/>
+            </a:pPr>
+            <a:endParaRPr lang="pt-BR" dirty="0"/>
+          </a:p>
+          <a:p>
+            <a:pPr lvl="1"/>
+            <a:endParaRPr lang="pt-BR" dirty="0"/>
           </a:p>
           <a:p>
             <a:endParaRPr lang="en-US" dirty="0"/>
@@ -5219,6 +5256,16 @@
           <a:lstStyle/>
           <a:p>
             <a:r>
+              <a:rPr lang="pt-BR" b="1" dirty="0"/>
+              <a:t>Tratamento de outliers:</a:t>
+            </a:r>
+            <a:r>
+              <a:rPr lang="pt-BR" dirty="0"/>
+              <a:t> identificação e decisões de correção.</a:t>
+            </a:r>
+          </a:p>
+          <a:p>
+            <a:r>
               <a:rPr lang="pt-BR" dirty="0"/>
               <a:t>Técnicas:</a:t>
             </a:r>
@@ -5291,7 +5338,7 @@
           <p:cNvPr id="2" name="Title 1">
             <a:extLst>
               <a:ext uri="{FF2B5EF4-FFF2-40B4-BE49-F238E27FC236}">
-                <a16:creationId xmlns:a16="http://schemas.microsoft.com/office/drawing/2014/main" id="{6EB5D50B-BE36-C048-BCD0-602BE990B43A}"/>
+                <a16:creationId xmlns:a16="http://schemas.microsoft.com/office/drawing/2014/main" id="{5C16AAD1-E005-000D-6949-40CF9C67F910}"/>
               </a:ext>
             </a:extLst>
           </p:cNvPr>
@@ -5307,70 +5354,43 @@
           <a:bodyPr/>
           <a:lstStyle/>
           <a:p>
+            <a:r>
+              <a:rPr lang="pt-BR" dirty="0"/>
+              <a:t>Relação entre variáveis: análise da correlação</a:t>
+            </a:r>
+            <a:endParaRPr lang="en-US" dirty="0"/>
+          </a:p>
+        </p:txBody>
+      </p:sp>
+      <p:sp>
+        <p:nvSpPr>
+          <p:cNvPr id="3" name="Content Placeholder 2">
+            <a:extLst>
+              <a:ext uri="{FF2B5EF4-FFF2-40B4-BE49-F238E27FC236}">
+                <a16:creationId xmlns:a16="http://schemas.microsoft.com/office/drawing/2014/main" id="{9A736D01-EFE2-E85C-18C7-A36B69190034}"/>
+              </a:ext>
+            </a:extLst>
+          </p:cNvPr>
+          <p:cNvSpPr>
+            <a:spLocks noGrp="1"/>
+          </p:cNvSpPr>
+          <p:nvPr>
+            <p:ph idx="1"/>
+          </p:nvPr>
+        </p:nvSpPr>
+        <p:spPr/>
+        <p:txBody>
+          <a:bodyPr/>
+          <a:lstStyle/>
+          <a:p>
             <a:endParaRPr lang="en-US"/>
-          </a:p>
-        </p:txBody>
-      </p:sp>
-      <p:sp>
-        <p:nvSpPr>
-          <p:cNvPr id="3" name="Content Placeholder 2">
-            <a:extLst>
-              <a:ext uri="{FF2B5EF4-FFF2-40B4-BE49-F238E27FC236}">
-                <a16:creationId xmlns:a16="http://schemas.microsoft.com/office/drawing/2014/main" id="{23E7A716-FAD7-6C06-899D-D3D5115D7306}"/>
-              </a:ext>
-            </a:extLst>
-          </p:cNvPr>
-          <p:cNvSpPr>
-            <a:spLocks noGrp="1"/>
-          </p:cNvSpPr>
-          <p:nvPr>
-            <p:ph idx="1"/>
-          </p:nvPr>
-        </p:nvSpPr>
-        <p:spPr/>
-        <p:txBody>
-          <a:bodyPr/>
-          <a:lstStyle/>
-          <a:p>
-            <a:r>
-              <a:rPr lang="pt-BR" b="1" dirty="0"/>
-              <a:t>Tratamento de valores ausentes:</a:t>
-            </a:r>
-            <a:r>
-              <a:rPr lang="pt-BR" dirty="0"/>
-              <a:t> remover </a:t>
-            </a:r>
-            <a:r>
-              <a:rPr lang="pt-BR" dirty="0" err="1"/>
-              <a:t>vs</a:t>
-            </a:r>
-            <a:r>
-              <a:rPr lang="pt-BR" dirty="0"/>
-              <a:t> imputar. </a:t>
-            </a:r>
-          </a:p>
-          <a:p>
-            <a:r>
-              <a:rPr lang="pt-BR" b="1" dirty="0"/>
-              <a:t>Tratamento de outliers:</a:t>
-            </a:r>
-            <a:r>
-              <a:rPr lang="pt-BR" dirty="0"/>
-              <a:t> identificação e decisões de correção.</a:t>
-            </a:r>
-          </a:p>
-          <a:p>
-            <a:endParaRPr lang="en-US" dirty="0"/>
-          </a:p>
-          <a:p>
-            <a:endParaRPr lang="en-US" dirty="0"/>
           </a:p>
         </p:txBody>
       </p:sp>
     </p:spTree>
     <p:extLst>
       <p:ext uri="{BB962C8B-B14F-4D97-AF65-F5344CB8AC3E}">
-        <p14:creationId xmlns:p14="http://schemas.microsoft.com/office/powerpoint/2010/main" val="1449777337"/>
+        <p14:creationId xmlns:p14="http://schemas.microsoft.com/office/powerpoint/2010/main" val="1921603279"/>
       </p:ext>
     </p:extLst>
   </p:cSld>
@@ -6887,86 +6907,6 @@
       </p:grpSpPr>
       <p:sp>
         <p:nvSpPr>
-          <p:cNvPr id="2" name="Title 1">
-            <a:extLst>
-              <a:ext uri="{FF2B5EF4-FFF2-40B4-BE49-F238E27FC236}">
-                <a16:creationId xmlns:a16="http://schemas.microsoft.com/office/drawing/2014/main" id="{F5675130-3293-C53E-210E-BAED4931934D}"/>
-              </a:ext>
-            </a:extLst>
-          </p:cNvPr>
-          <p:cNvSpPr>
-            <a:spLocks noGrp="1"/>
-          </p:cNvSpPr>
-          <p:nvPr>
-            <p:ph type="title"/>
-          </p:nvPr>
-        </p:nvSpPr>
-        <p:spPr/>
-        <p:txBody>
-          <a:bodyPr/>
-          <a:lstStyle/>
-          <a:p>
-            <a:endParaRPr lang="en-US"/>
-          </a:p>
-        </p:txBody>
-      </p:sp>
-      <p:sp>
-        <p:nvSpPr>
-          <p:cNvPr id="3" name="Content Placeholder 2">
-            <a:extLst>
-              <a:ext uri="{FF2B5EF4-FFF2-40B4-BE49-F238E27FC236}">
-                <a16:creationId xmlns:a16="http://schemas.microsoft.com/office/drawing/2014/main" id="{9DDE8029-A57D-C5B0-A292-D731A9D67034}"/>
-              </a:ext>
-            </a:extLst>
-          </p:cNvPr>
-          <p:cNvSpPr>
-            <a:spLocks noGrp="1"/>
-          </p:cNvSpPr>
-          <p:nvPr>
-            <p:ph idx="1"/>
-          </p:nvPr>
-        </p:nvSpPr>
-        <p:spPr/>
-        <p:txBody>
-          <a:bodyPr/>
-          <a:lstStyle/>
-          <a:p>
-            <a:endParaRPr lang="en-US"/>
-          </a:p>
-        </p:txBody>
-      </p:sp>
-    </p:spTree>
-    <p:extLst>
-      <p:ext uri="{BB962C8B-B14F-4D97-AF65-F5344CB8AC3E}">
-        <p14:creationId xmlns:p14="http://schemas.microsoft.com/office/powerpoint/2010/main" val="1008035028"/>
-      </p:ext>
-    </p:extLst>
-  </p:cSld>
-  <p:clrMapOvr>
-    <a:masterClrMapping/>
-  </p:clrMapOvr>
-</p:sld>
-</file>
-
-<file path=ppt/slides/slide7.xml><?xml version="1.0" encoding="utf-8"?>
-<p:sld xmlns:a="http://schemas.openxmlformats.org/drawingml/2006/main" xmlns:r="http://schemas.openxmlformats.org/officeDocument/2006/relationships" xmlns:p="http://schemas.openxmlformats.org/presentationml/2006/main">
-  <p:cSld>
-    <p:spTree>
-      <p:nvGrpSpPr>
-        <p:cNvPr id="1" name=""/>
-        <p:cNvGrpSpPr/>
-        <p:nvPr/>
-      </p:nvGrpSpPr>
-      <p:grpSpPr>
-        <a:xfrm>
-          <a:off x="0" y="0"/>
-          <a:ext cx="0" cy="0"/>
-          <a:chOff x="0" y="0"/>
-          <a:chExt cx="0" cy="0"/>
-        </a:xfrm>
-      </p:grpSpPr>
-      <p:sp>
-        <p:nvSpPr>
           <p:cNvPr id="2" name="Título 1"/>
           <p:cNvSpPr>
             <a:spLocks noGrp="1"/>
@@ -7030,10 +6970,10 @@
         </p:nvGrpSpPr>
         <p:grpSpPr>
           <a:xfrm>
-            <a:off x="4005252" y="3433941"/>
-            <a:ext cx="4181495" cy="2794396"/>
+            <a:off x="3662697" y="3429000"/>
+            <a:ext cx="4866605" cy="2825174"/>
             <a:chOff x="249382" y="2602667"/>
-            <a:chExt cx="4181495" cy="2794396"/>
+            <a:chExt cx="4295052" cy="2825174"/>
           </a:xfrm>
         </p:grpSpPr>
         <p:sp>
@@ -7045,7 +6985,7 @@
           <p:spPr>
             <a:xfrm>
               <a:off x="249382" y="3816628"/>
-              <a:ext cx="923971" cy="369332"/>
+              <a:ext cx="1038105" cy="400110"/>
             </a:xfrm>
             <a:prstGeom prst="rect">
               <a:avLst/>
@@ -7059,7 +6999,7 @@
             <a:lstStyle/>
             <a:p>
               <a:r>
-                <a:rPr lang="pt-BR" dirty="0"/>
+                <a:rPr lang="pt-BR" sz="2000" b="1" dirty="0"/>
                 <a:t>Variável</a:t>
               </a:r>
             </a:p>
@@ -7074,7 +7014,7 @@
           <p:spPr>
             <a:xfrm>
               <a:off x="1684710" y="3009481"/>
-              <a:ext cx="1202252" cy="369332"/>
+              <a:ext cx="1355820" cy="400110"/>
             </a:xfrm>
             <a:prstGeom prst="rect">
               <a:avLst/>
@@ -7088,7 +7028,7 @@
             <a:lstStyle/>
             <a:p>
               <a:r>
-                <a:rPr lang="pt-BR" dirty="0"/>
+                <a:rPr lang="pt-BR" sz="2000" b="1" dirty="0"/>
                 <a:t>Qualitativa</a:t>
               </a:r>
             </a:p>
@@ -7103,7 +7043,7 @@
           <p:spPr>
             <a:xfrm>
               <a:off x="1684710" y="4622642"/>
-              <a:ext cx="1346010" cy="369332"/>
+              <a:ext cx="1516954" cy="400110"/>
             </a:xfrm>
             <a:prstGeom prst="rect">
               <a:avLst/>
@@ -7117,7 +7057,7 @@
             <a:lstStyle/>
             <a:p>
               <a:r>
-                <a:rPr lang="pt-BR" dirty="0"/>
+                <a:rPr lang="pt-BR" sz="2000" b="1" dirty="0"/>
                 <a:t>Quantitativa</a:t>
               </a:r>
             </a:p>
@@ -7132,7 +7072,7 @@
           <p:spPr>
             <a:xfrm>
               <a:off x="3397132" y="2602667"/>
-              <a:ext cx="978153" cy="369332"/>
+              <a:ext cx="1088760" cy="400110"/>
             </a:xfrm>
             <a:prstGeom prst="rect">
               <a:avLst/>
@@ -7146,7 +7086,7 @@
             <a:lstStyle/>
             <a:p>
               <a:r>
-                <a:rPr lang="pt-BR" dirty="0"/>
+                <a:rPr lang="pt-BR" sz="2000" b="1" dirty="0"/>
                 <a:t>Nominal</a:t>
               </a:r>
             </a:p>
@@ -7161,7 +7101,7 @@
           <p:spPr>
             <a:xfrm>
               <a:off x="3397132" y="3496617"/>
-              <a:ext cx="874022" cy="369332"/>
+              <a:ext cx="973408" cy="400110"/>
             </a:xfrm>
             <a:prstGeom prst="rect">
               <a:avLst/>
@@ -7175,7 +7115,7 @@
             <a:lstStyle/>
             <a:p>
               <a:r>
-                <a:rPr lang="pt-BR" dirty="0"/>
+                <a:rPr lang="pt-BR" sz="2000" b="1" dirty="0"/>
                 <a:t>Ordinal</a:t>
               </a:r>
             </a:p>
@@ -7190,7 +7130,7 @@
           <p:spPr>
             <a:xfrm>
               <a:off x="3397132" y="4196861"/>
-              <a:ext cx="943848" cy="369332"/>
+              <a:ext cx="1047979" cy="400110"/>
             </a:xfrm>
             <a:prstGeom prst="rect">
               <a:avLst/>
@@ -7204,7 +7144,7 @@
             <a:lstStyle/>
             <a:p>
               <a:r>
-                <a:rPr lang="pt-BR" dirty="0"/>
+                <a:rPr lang="pt-BR" sz="2000" b="1" dirty="0"/>
                 <a:t>Discreta</a:t>
               </a:r>
             </a:p>
@@ -7219,7 +7159,7 @@
           <p:spPr>
             <a:xfrm>
               <a:off x="3397132" y="5027731"/>
-              <a:ext cx="1033745" cy="369332"/>
+              <a:ext cx="1147302" cy="400110"/>
             </a:xfrm>
             <a:prstGeom prst="rect">
               <a:avLst/>
@@ -7233,7 +7173,7 @@
             <a:lstStyle/>
             <a:p>
               <a:r>
-                <a:rPr lang="pt-BR" dirty="0"/>
+                <a:rPr lang="pt-BR" sz="2000" b="1" dirty="0"/>
                 <a:t>Contínua</a:t>
               </a:r>
             </a:p>
@@ -7250,8 +7190,8 @@
           </p:nvCxnSpPr>
           <p:spPr>
             <a:xfrm flipV="1">
-              <a:off x="1173353" y="3194147"/>
-              <a:ext cx="511357" cy="807147"/>
+              <a:off x="1287487" y="3209536"/>
+              <a:ext cx="397223" cy="807147"/>
             </a:xfrm>
             <a:prstGeom prst="straightConnector1">
               <a:avLst/>
@@ -7285,8 +7225,8 @@
           </p:nvCxnSpPr>
           <p:spPr>
             <a:xfrm>
-              <a:off x="1173353" y="4001294"/>
-              <a:ext cx="520501" cy="806014"/>
+              <a:off x="1287487" y="4016683"/>
+              <a:ext cx="406367" cy="790625"/>
             </a:xfrm>
             <a:prstGeom prst="straightConnector1">
               <a:avLst/>
@@ -7321,8 +7261,8 @@
           </p:nvCxnSpPr>
           <p:spPr>
             <a:xfrm flipV="1">
-              <a:off x="2886962" y="2787333"/>
-              <a:ext cx="510170" cy="406814"/>
+              <a:off x="3040530" y="2802722"/>
+              <a:ext cx="356602" cy="406814"/>
             </a:xfrm>
             <a:prstGeom prst="straightConnector1">
               <a:avLst/>
@@ -7357,8 +7297,8 @@
           </p:nvCxnSpPr>
           <p:spPr>
             <a:xfrm>
-              <a:off x="2886962" y="3194147"/>
-              <a:ext cx="510170" cy="487136"/>
+              <a:off x="3040530" y="3209536"/>
+              <a:ext cx="356602" cy="487136"/>
             </a:xfrm>
             <a:prstGeom prst="straightConnector1">
               <a:avLst/>
@@ -7393,8 +7333,8 @@
           </p:nvCxnSpPr>
           <p:spPr>
             <a:xfrm flipV="1">
-              <a:off x="3030720" y="4381527"/>
-              <a:ext cx="366412" cy="425781"/>
+              <a:off x="3201664" y="4396916"/>
+              <a:ext cx="195468" cy="425781"/>
             </a:xfrm>
             <a:prstGeom prst="straightConnector1">
               <a:avLst/>
@@ -7429,8 +7369,8 @@
           </p:nvCxnSpPr>
           <p:spPr>
             <a:xfrm>
-              <a:off x="3030720" y="4807308"/>
-              <a:ext cx="366412" cy="405089"/>
+              <a:off x="3201664" y="4822697"/>
+              <a:ext cx="195468" cy="405089"/>
             </a:xfrm>
             <a:prstGeom prst="straightConnector1">
               <a:avLst/>
@@ -7468,7 +7408,7 @@
 </p:sld>
 </file>
 
-<file path=ppt/slides/slide8.xml><?xml version="1.0" encoding="utf-8"?>
+<file path=ppt/slides/slide7.xml><?xml version="1.0" encoding="utf-8"?>
 <p:sld xmlns:a="http://schemas.openxmlformats.org/drawingml/2006/main" xmlns:r="http://schemas.openxmlformats.org/officeDocument/2006/relationships" xmlns:p="http://schemas.openxmlformats.org/presentationml/2006/main">
   <p:cSld>
     <p:spTree>
@@ -7672,7 +7612,7 @@
 </p:sld>
 </file>
 
-<file path=ppt/slides/slide9.xml><?xml version="1.0" encoding="utf-8"?>
+<file path=ppt/slides/slide8.xml><?xml version="1.0" encoding="utf-8"?>
 <p:sld xmlns:a="http://schemas.openxmlformats.org/drawingml/2006/main" xmlns:r="http://schemas.openxmlformats.org/officeDocument/2006/relationships" xmlns:p="http://schemas.openxmlformats.org/presentationml/2006/main">
   <p:cSld>
     <p:spTree>
@@ -7867,6 +7807,108 @@
     <p:extLst>
       <p:ext uri="{BB962C8B-B14F-4D97-AF65-F5344CB8AC3E}">
         <p14:creationId xmlns:p14="http://schemas.microsoft.com/office/powerpoint/2010/main" val="3966523727"/>
+      </p:ext>
+    </p:extLst>
+  </p:cSld>
+  <p:clrMapOvr>
+    <a:masterClrMapping/>
+  </p:clrMapOvr>
+</p:sld>
+</file>
+
+<file path=ppt/slides/slide9.xml><?xml version="1.0" encoding="utf-8"?>
+<p:sld xmlns:a="http://schemas.openxmlformats.org/drawingml/2006/main" xmlns:r="http://schemas.openxmlformats.org/officeDocument/2006/relationships" xmlns:p="http://schemas.openxmlformats.org/presentationml/2006/main">
+  <p:cSld>
+    <p:spTree>
+      <p:nvGrpSpPr>
+        <p:cNvPr id="1" name=""/>
+        <p:cNvGrpSpPr/>
+        <p:nvPr/>
+      </p:nvGrpSpPr>
+      <p:grpSpPr>
+        <a:xfrm>
+          <a:off x="0" y="0"/>
+          <a:ext cx="0" cy="0"/>
+          <a:chOff x="0" y="0"/>
+          <a:chExt cx="0" cy="0"/>
+        </a:xfrm>
+      </p:grpSpPr>
+      <p:sp>
+        <p:nvSpPr>
+          <p:cNvPr id="2" name="Title 1">
+            <a:extLst>
+              <a:ext uri="{FF2B5EF4-FFF2-40B4-BE49-F238E27FC236}">
+                <a16:creationId xmlns:a16="http://schemas.microsoft.com/office/drawing/2014/main" id="{F5675130-3293-C53E-210E-BAED4931934D}"/>
+              </a:ext>
+            </a:extLst>
+          </p:cNvPr>
+          <p:cNvSpPr>
+            <a:spLocks noGrp="1"/>
+          </p:cNvSpPr>
+          <p:nvPr>
+            <p:ph type="title"/>
+          </p:nvPr>
+        </p:nvSpPr>
+        <p:spPr/>
+        <p:txBody>
+          <a:bodyPr/>
+          <a:lstStyle/>
+          <a:p>
+            <a:endParaRPr lang="en-US"/>
+          </a:p>
+        </p:txBody>
+      </p:sp>
+      <p:sp>
+        <p:nvSpPr>
+          <p:cNvPr id="3" name="Content Placeholder 2">
+            <a:extLst>
+              <a:ext uri="{FF2B5EF4-FFF2-40B4-BE49-F238E27FC236}">
+                <a16:creationId xmlns:a16="http://schemas.microsoft.com/office/drawing/2014/main" id="{9DDE8029-A57D-C5B0-A292-D731A9D67034}"/>
+              </a:ext>
+            </a:extLst>
+          </p:cNvPr>
+          <p:cNvSpPr>
+            <a:spLocks noGrp="1"/>
+          </p:cNvSpPr>
+          <p:nvPr>
+            <p:ph idx="1"/>
+          </p:nvPr>
+        </p:nvSpPr>
+        <p:spPr/>
+        <p:txBody>
+          <a:bodyPr>
+            <a:normAutofit/>
+          </a:bodyPr>
+          <a:lstStyle/>
+          <a:p>
+            <a:r>
+              <a:rPr lang="pt-BR" sz="5400" dirty="0" err="1">
+                <a:solidFill>
+                  <a:srgbClr val="FF0000"/>
+                </a:solidFill>
+              </a:rPr>
+              <a:t>PAREi</a:t>
+            </a:r>
+            <a:r>
+              <a:rPr lang="pt-BR" sz="5400" dirty="0">
+                <a:solidFill>
+                  <a:srgbClr val="FF0000"/>
+                </a:solidFill>
+              </a:rPr>
+              <a:t> AQUI!!!!!!!!!!!!!</a:t>
+            </a:r>
+            <a:endParaRPr lang="en-US" sz="5400" dirty="0">
+              <a:solidFill>
+                <a:srgbClr val="FF0000"/>
+              </a:solidFill>
+            </a:endParaRPr>
+          </a:p>
+        </p:txBody>
+      </p:sp>
+    </p:spTree>
+    <p:extLst>
+      <p:ext uri="{BB962C8B-B14F-4D97-AF65-F5344CB8AC3E}">
+        <p14:creationId xmlns:p14="http://schemas.microsoft.com/office/powerpoint/2010/main" val="1008035028"/>
       </p:ext>
     </p:extLst>
   </p:cSld>

--- a/slides/C24_EDA.pptx
+++ b/slides/C24_EDA.pptx
@@ -1166,6 +1166,197 @@
     <p:extLst>
       <p:ext uri="{BB962C8B-B14F-4D97-AF65-F5344CB8AC3E}">
         <p14:creationId xmlns:p14="http://schemas.microsoft.com/office/powerpoint/2010/main" val="3432622944"/>
+      </p:ext>
+    </p:extLst>
+  </p:cSld>
+  <p:clrMapOvr>
+    <a:masterClrMapping/>
+  </p:clrMapOvr>
+</p:notes>
+</file>
+
+<file path=ppt/notesSlides/notesSlide6.xml><?xml version="1.0" encoding="utf-8"?>
+<p:notes xmlns:a="http://schemas.openxmlformats.org/drawingml/2006/main" xmlns:r="http://schemas.openxmlformats.org/officeDocument/2006/relationships" xmlns:p="http://schemas.openxmlformats.org/presentationml/2006/main">
+  <p:cSld>
+    <p:spTree>
+      <p:nvGrpSpPr>
+        <p:cNvPr id="1" name=""/>
+        <p:cNvGrpSpPr/>
+        <p:nvPr/>
+      </p:nvGrpSpPr>
+      <p:grpSpPr>
+        <a:xfrm>
+          <a:off x="0" y="0"/>
+          <a:ext cx="0" cy="0"/>
+          <a:chOff x="0" y="0"/>
+          <a:chExt cx="0" cy="0"/>
+        </a:xfrm>
+      </p:grpSpPr>
+      <p:sp>
+        <p:nvSpPr>
+          <p:cNvPr id="2" name="Slide Image Placeholder 1"/>
+          <p:cNvSpPr>
+            <a:spLocks noGrp="1" noRot="1" noChangeAspect="1"/>
+          </p:cNvSpPr>
+          <p:nvPr>
+            <p:ph type="sldImg"/>
+          </p:nvPr>
+        </p:nvSpPr>
+        <p:spPr/>
+      </p:sp>
+      <p:sp>
+        <p:nvSpPr>
+          <p:cNvPr id="3" name="Notes Placeholder 2"/>
+          <p:cNvSpPr>
+            <a:spLocks noGrp="1"/>
+          </p:cNvSpPr>
+          <p:nvPr>
+            <p:ph type="body" idx="1"/>
+          </p:nvPr>
+        </p:nvSpPr>
+        <p:spPr/>
+        <p:txBody>
+          <a:bodyPr/>
+          <a:lstStyle/>
+          <a:p>
+            <a:r>
+              <a:rPr lang="pt-BR" dirty="0"/>
+              <a:t>Quartis são </a:t>
+            </a:r>
+            <a:r>
+              <a:rPr lang="pt-BR" b="1" dirty="0"/>
+              <a:t>valores que dividem um conjunto de dados ordenado em quatro partes iguais</a:t>
+            </a:r>
+            <a:r>
+              <a:rPr lang="pt-BR" dirty="0"/>
+              <a:t>, cada uma contendo </a:t>
+            </a:r>
+            <a:r>
+              <a:rPr lang="pt-BR" b="1" dirty="0"/>
+              <a:t>25%</a:t>
+            </a:r>
+            <a:r>
+              <a:rPr lang="pt-BR" dirty="0"/>
+              <a:t> das observações.</a:t>
+            </a:r>
+          </a:p>
+          <a:p>
+            <a:endParaRPr lang="pt-BR" dirty="0"/>
+          </a:p>
+          <a:p>
+            <a:r>
+              <a:rPr lang="pt-BR" b="1" dirty="0"/>
+              <a:t>Os quatro quartis</a:t>
+            </a:r>
+          </a:p>
+          <a:p>
+            <a:r>
+              <a:rPr lang="pt-BR" b="1" dirty="0"/>
+              <a:t>Q1 (1º quartil)</a:t>
+            </a:r>
+            <a:r>
+              <a:rPr lang="pt-BR" dirty="0"/>
+              <a:t> → 25% dos dados estão </a:t>
+            </a:r>
+            <a:r>
+              <a:rPr lang="pt-BR" b="1" dirty="0"/>
+              <a:t>abaixo</a:t>
+            </a:r>
+            <a:r>
+              <a:rPr lang="pt-BR" dirty="0"/>
+              <a:t> dele</a:t>
+            </a:r>
+          </a:p>
+          <a:p>
+            <a:r>
+              <a:rPr lang="pt-BR" b="1" dirty="0"/>
+              <a:t>Q2 (2º quartil)</a:t>
+            </a:r>
+            <a:r>
+              <a:rPr lang="pt-BR" dirty="0"/>
+              <a:t> → 50% dos dados estão </a:t>
+            </a:r>
+            <a:r>
+              <a:rPr lang="pt-BR" b="1" dirty="0"/>
+              <a:t>abaixo</a:t>
+            </a:r>
+            <a:r>
+              <a:rPr lang="pt-BR" dirty="0"/>
+              <a:t> dele</a:t>
+            </a:r>
+            <a:br>
+              <a:rPr lang="pt-BR" dirty="0"/>
+            </a:br>
+            <a:r>
+              <a:rPr lang="pt-BR" dirty="0"/>
+              <a:t>👉 é a </a:t>
+            </a:r>
+            <a:r>
+              <a:rPr lang="pt-BR" b="1" dirty="0"/>
+              <a:t>mediana</a:t>
+            </a:r>
+            <a:endParaRPr lang="pt-BR" dirty="0"/>
+          </a:p>
+          <a:p>
+            <a:r>
+              <a:rPr lang="pt-BR" b="1" dirty="0"/>
+              <a:t>Q3 (3º quartil)</a:t>
+            </a:r>
+            <a:r>
+              <a:rPr lang="pt-BR" dirty="0"/>
+              <a:t> → 75% dos dados estão </a:t>
+            </a:r>
+            <a:r>
+              <a:rPr lang="pt-BR" b="1" dirty="0"/>
+              <a:t>abaixo</a:t>
+            </a:r>
+            <a:r>
+              <a:rPr lang="pt-BR" dirty="0"/>
+              <a:t> dele</a:t>
+            </a:r>
+          </a:p>
+          <a:p>
+            <a:r>
+              <a:rPr lang="pt-BR" b="1" dirty="0"/>
+              <a:t>Q4</a:t>
+            </a:r>
+            <a:r>
+              <a:rPr lang="pt-BR" dirty="0"/>
+              <a:t> → valor máximo (às vezes citado informalmente)</a:t>
+            </a:r>
+          </a:p>
+          <a:p>
+            <a:endParaRPr lang="en-US" dirty="0"/>
+          </a:p>
+        </p:txBody>
+      </p:sp>
+      <p:sp>
+        <p:nvSpPr>
+          <p:cNvPr id="4" name="Slide Number Placeholder 3"/>
+          <p:cNvSpPr>
+            <a:spLocks noGrp="1"/>
+          </p:cNvSpPr>
+          <p:nvPr>
+            <p:ph type="sldNum" sz="quarter" idx="5"/>
+          </p:nvPr>
+        </p:nvSpPr>
+        <p:spPr/>
+        <p:txBody>
+          <a:bodyPr/>
+          <a:lstStyle/>
+          <a:p>
+            <a:fld id="{6FC8D850-966F-45A6-8DE7-15B891E7D40D}" type="slidenum">
+              <a:rPr lang="pt-BR" smtClean="0"/>
+              <a:t>10</a:t>
+            </a:fld>
+            <a:endParaRPr lang="pt-BR"/>
+          </a:p>
+        </p:txBody>
+      </p:sp>
+    </p:spTree>
+    <p:extLst>
+      <p:ext uri="{BB962C8B-B14F-4D97-AF65-F5344CB8AC3E}">
+        <p14:creationId xmlns:p14="http://schemas.microsoft.com/office/powerpoint/2010/main" val="2579302078"/>
       </p:ext>
     </p:extLst>
   </p:cSld>
@@ -4655,7 +4846,7 @@
         <p:spPr>
           <a:xfrm>
             <a:off x="838199" y="1825624"/>
-            <a:ext cx="11103429" cy="5032375"/>
+            <a:ext cx="11114315" cy="5032375"/>
           </a:xfrm>
         </p:spPr>
         <p:txBody>
@@ -4726,7 +4917,15 @@
           <a:p>
             <a:r>
               <a:rPr lang="pt-BR" dirty="0"/>
-              <a:t>Estatísticas básicas: média, mediana, desvio padrão, etc.</a:t>
+              <a:t>Estatísticas básicas: média, min, </a:t>
+            </a:r>
+            <a:r>
+              <a:rPr lang="pt-BR" dirty="0" err="1"/>
+              <a:t>max</a:t>
+            </a:r>
+            <a:r>
+              <a:rPr lang="pt-BR" dirty="0"/>
+              <a:t>, quartis, mediana, desvio padrão, etc.</a:t>
             </a:r>
           </a:p>
           <a:p>
@@ -4739,10 +4938,9 @@
               <a:t>df.describe</a:t>
             </a:r>
             <a:r>
-              <a:rPr lang="en-US"/>
+              <a:rPr lang="en-US" dirty="0"/>
               <a:t>()</a:t>
             </a:r>
-            <a:endParaRPr lang="en-US" dirty="0"/>
           </a:p>
         </p:txBody>
       </p:sp>

--- a/slides/C24_EDA.pptx
+++ b/slides/C24_EDA.pptx
@@ -1326,6 +1326,23 @@
             </a:r>
           </a:p>
           <a:p>
+            <a:endParaRPr lang="en-US" dirty="0"/>
+          </a:p>
+          <a:p>
+            <a:r>
+              <a:rPr lang="en-US" dirty="0" err="1"/>
+              <a:t>Exemplo</a:t>
+            </a:r>
+            <a:r>
+              <a:rPr lang="en-US" dirty="0"/>
+              <a:t>: </a:t>
+            </a:r>
+            <a:r>
+              <a:rPr lang="en-US" dirty="0">
+                <a:hlinkClick r:id="rId3"/>
+              </a:rPr>
+              <a:t>https://colab.research.google.com/github/zz4fap/c24_inteligencia_artificial/blob/master/notebooks/intro_eda.ipynb</a:t>
+            </a:r>
             <a:endParaRPr lang="en-US" dirty="0"/>
           </a:p>
         </p:txBody>
@@ -4941,6 +4958,50 @@
               <a:rPr lang="en-US" dirty="0"/>
               <a:t>()</a:t>
             </a:r>
+          </a:p>
+        </p:txBody>
+      </p:sp>
+      <p:sp>
+        <p:nvSpPr>
+          <p:cNvPr id="4" name="TextBox 3">
+            <a:extLst>
+              <a:ext uri="{FF2B5EF4-FFF2-40B4-BE49-F238E27FC236}">
+                <a16:creationId xmlns:a16="http://schemas.microsoft.com/office/drawing/2014/main" id="{E4C41DBF-7905-7EF8-0A6B-094B4D2F6F3F}"/>
+              </a:ext>
+            </a:extLst>
+          </p:cNvPr>
+          <p:cNvSpPr txBox="1"/>
+          <p:nvPr/>
+        </p:nvSpPr>
+        <p:spPr>
+          <a:xfrm>
+            <a:off x="10132397" y="6550223"/>
+            <a:ext cx="2059603" cy="307777"/>
+          </a:xfrm>
+          <a:prstGeom prst="rect">
+            <a:avLst/>
+          </a:prstGeom>
+          <a:noFill/>
+        </p:spPr>
+        <p:txBody>
+          <a:bodyPr wrap="none" rtlCol="0">
+            <a:spAutoFit/>
+          </a:bodyPr>
+          <a:lstStyle/>
+          <a:p>
+            <a:r>
+              <a:rPr lang="pt-BR" sz="1400" dirty="0">
+                <a:hlinkClick r:id="rId3"/>
+              </a:rPr>
+              <a:t>Exemplo: </a:t>
+            </a:r>
+            <a:r>
+              <a:rPr lang="pt-BR" sz="1400" dirty="0" err="1">
+                <a:hlinkClick r:id="rId3"/>
+              </a:rPr>
+              <a:t>intro_eda.ipynb</a:t>
+            </a:r>
+            <a:endParaRPr lang="en-US" sz="1400" dirty="0"/>
           </a:p>
         </p:txBody>
       </p:sp>
